--- a/Titin/Power poin.pptx
+++ b/Titin/Power poin.pptx
@@ -296,7 +296,7 @@
             <a:fld id="{D817A79A-4FE6-453A-A024-37333D95B947}" type="datetimeFigureOut">
               <a:rPr lang="en-SG" smtClean="0"/>
               <a:pPr/>
-              <a:t>5/3/2017</a:t>
+              <a:t>9/3/2017</a:t>
             </a:fld>
             <a:endParaRPr lang="en-SG"/>
           </a:p>
@@ -468,7 +468,7 @@
             <a:fld id="{D817A79A-4FE6-453A-A024-37333D95B947}" type="datetimeFigureOut">
               <a:rPr lang="en-SG" smtClean="0"/>
               <a:pPr/>
-              <a:t>5/3/2017</a:t>
+              <a:t>9/3/2017</a:t>
             </a:fld>
             <a:endParaRPr lang="en-SG"/>
           </a:p>
@@ -650,7 +650,7 @@
             <a:fld id="{D817A79A-4FE6-453A-A024-37333D95B947}" type="datetimeFigureOut">
               <a:rPr lang="en-SG" smtClean="0"/>
               <a:pPr/>
-              <a:t>5/3/2017</a:t>
+              <a:t>9/3/2017</a:t>
             </a:fld>
             <a:endParaRPr lang="en-SG"/>
           </a:p>
@@ -822,7 +822,7 @@
             <a:fld id="{D817A79A-4FE6-453A-A024-37333D95B947}" type="datetimeFigureOut">
               <a:rPr lang="en-SG" smtClean="0"/>
               <a:pPr/>
-              <a:t>5/3/2017</a:t>
+              <a:t>9/3/2017</a:t>
             </a:fld>
             <a:endParaRPr lang="en-SG"/>
           </a:p>
@@ -1070,7 +1070,7 @@
             <a:fld id="{D817A79A-4FE6-453A-A024-37333D95B947}" type="datetimeFigureOut">
               <a:rPr lang="en-SG" smtClean="0"/>
               <a:pPr/>
-              <a:t>5/3/2017</a:t>
+              <a:t>9/3/2017</a:t>
             </a:fld>
             <a:endParaRPr lang="en-SG"/>
           </a:p>
@@ -1360,7 +1360,7 @@
             <a:fld id="{D817A79A-4FE6-453A-A024-37333D95B947}" type="datetimeFigureOut">
               <a:rPr lang="en-SG" smtClean="0"/>
               <a:pPr/>
-              <a:t>5/3/2017</a:t>
+              <a:t>9/3/2017</a:t>
             </a:fld>
             <a:endParaRPr lang="en-SG"/>
           </a:p>
@@ -1784,7 +1784,7 @@
             <a:fld id="{D817A79A-4FE6-453A-A024-37333D95B947}" type="datetimeFigureOut">
               <a:rPr lang="en-SG" smtClean="0"/>
               <a:pPr/>
-              <a:t>5/3/2017</a:t>
+              <a:t>9/3/2017</a:t>
             </a:fld>
             <a:endParaRPr lang="en-SG"/>
           </a:p>
@@ -1904,7 +1904,7 @@
             <a:fld id="{D817A79A-4FE6-453A-A024-37333D95B947}" type="datetimeFigureOut">
               <a:rPr lang="en-SG" smtClean="0"/>
               <a:pPr/>
-              <a:t>5/3/2017</a:t>
+              <a:t>9/3/2017</a:t>
             </a:fld>
             <a:endParaRPr lang="en-SG"/>
           </a:p>
@@ -2001,7 +2001,7 @@
             <a:fld id="{D817A79A-4FE6-453A-A024-37333D95B947}" type="datetimeFigureOut">
               <a:rPr lang="en-SG" smtClean="0"/>
               <a:pPr/>
-              <a:t>5/3/2017</a:t>
+              <a:t>9/3/2017</a:t>
             </a:fld>
             <a:endParaRPr lang="en-SG"/>
           </a:p>
@@ -2280,7 +2280,7 @@
             <a:fld id="{D817A79A-4FE6-453A-A024-37333D95B947}" type="datetimeFigureOut">
               <a:rPr lang="en-SG" smtClean="0"/>
               <a:pPr/>
-              <a:t>5/3/2017</a:t>
+              <a:t>9/3/2017</a:t>
             </a:fld>
             <a:endParaRPr lang="en-SG"/>
           </a:p>
@@ -2535,7 +2535,7 @@
             <a:fld id="{D817A79A-4FE6-453A-A024-37333D95B947}" type="datetimeFigureOut">
               <a:rPr lang="en-SG" smtClean="0"/>
               <a:pPr/>
-              <a:t>5/3/2017</a:t>
+              <a:t>9/3/2017</a:t>
             </a:fld>
             <a:endParaRPr lang="en-SG"/>
           </a:p>
@@ -2760,7 +2760,7 @@
             <a:fld id="{D817A79A-4FE6-453A-A024-37333D95B947}" type="datetimeFigureOut">
               <a:rPr lang="en-SG" smtClean="0"/>
               <a:pPr/>
-              <a:t>5/3/2017</a:t>
+              <a:t>9/3/2017</a:t>
             </a:fld>
             <a:endParaRPr lang="en-SG"/>
           </a:p>
@@ -3159,19 +3159,28 @@
           <a:lstStyle/>
           <a:p>
             <a:r>
-              <a:rPr lang="en-SG" sz="5400" b="1" dirty="0" err="1" smtClean="0">
-                <a:latin typeface="Century Gothic" panose="020B0502020202020204" pitchFamily="34" charset="0"/>
-              </a:rPr>
-              <a:t>Shifaa</a:t>
-            </a:r>
-            <a:r>
               <a:rPr lang="en-SG" sz="5400" b="1" dirty="0" smtClean="0">
-                <a:latin typeface="Century Gothic" panose="020B0502020202020204" pitchFamily="34" charset="0"/>
-              </a:rPr>
-              <a:t> Cellular</a:t>
+                <a:latin typeface="Times New Roman" pitchFamily="18" charset="0"/>
+                <a:cs typeface="Times New Roman" pitchFamily="18" charset="0"/>
+              </a:rPr>
+              <a:t>SOCCER </a:t>
+            </a:r>
+            <a:br>
+              <a:rPr lang="en-SG" sz="5400" b="1" dirty="0" smtClean="0">
+                <a:latin typeface="Times New Roman" pitchFamily="18" charset="0"/>
+                <a:cs typeface="Times New Roman" pitchFamily="18" charset="0"/>
+              </a:rPr>
+            </a:br>
+            <a:r>
+              <a:rPr lang="en-SG" sz="5400" b="1" dirty="0" smtClean="0">
+                <a:latin typeface="Times New Roman" pitchFamily="18" charset="0"/>
+                <a:cs typeface="Times New Roman" pitchFamily="18" charset="0"/>
+              </a:rPr>
+              <a:t>SOUVENIRS</a:t>
             </a:r>
             <a:endParaRPr lang="en-SG" sz="5400" b="1" dirty="0">
-              <a:latin typeface="Century Gothic" panose="020B0502020202020204" pitchFamily="34" charset="0"/>
+              <a:latin typeface="Times New Roman" pitchFamily="18" charset="0"/>
+              <a:cs typeface="Times New Roman" pitchFamily="18" charset="0"/>
             </a:endParaRPr>
           </a:p>
         </p:txBody>
@@ -3193,52 +3202,37 @@
           </a:xfrm>
         </p:spPr>
         <p:txBody>
-          <a:bodyPr/>
-          <a:lstStyle/>
-          <a:p>
-            <a:r>
-              <a:rPr lang="en-SG" dirty="0" err="1" smtClean="0">
-                <a:latin typeface="Century Gothic" panose="020B0502020202020204" pitchFamily="34" charset="0"/>
-              </a:rPr>
-              <a:t>Oleh</a:t>
-            </a:r>
-            <a:r>
-              <a:rPr lang="en-SG" dirty="0" smtClean="0">
-                <a:latin typeface="Century Gothic" panose="020B0502020202020204" pitchFamily="34" charset="0"/>
-              </a:rPr>
-              <a:t>: </a:t>
-            </a:r>
-            <a:r>
-              <a:rPr lang="en-SG" dirty="0" err="1" smtClean="0">
-                <a:latin typeface="Century Gothic" panose="020B0502020202020204" pitchFamily="34" charset="0"/>
-              </a:rPr>
-              <a:t>Yayuk</a:t>
-            </a:r>
-            <a:r>
-              <a:rPr lang="en-SG" dirty="0" smtClean="0">
-                <a:latin typeface="Century Gothic" panose="020B0502020202020204" pitchFamily="34" charset="0"/>
-              </a:rPr>
-              <a:t> </a:t>
-            </a:r>
-            <a:r>
-              <a:rPr lang="en-SG" dirty="0" err="1" smtClean="0">
-                <a:latin typeface="Century Gothic" panose="020B0502020202020204" pitchFamily="34" charset="0"/>
-              </a:rPr>
-              <a:t>Wahyuni</a:t>
-            </a:r>
-            <a:endParaRPr lang="en-SG" dirty="0" smtClean="0">
-              <a:latin typeface="Century Gothic" panose="020B0502020202020204" pitchFamily="34" charset="0"/>
-            </a:endParaRPr>
+          <a:bodyPr>
+            <a:normAutofit/>
+          </a:bodyPr>
+          <a:lstStyle/>
+          <a:p>
+            <a:r>
+              <a:rPr lang="en-SG" sz="2400" dirty="0" err="1" smtClean="0">
+                <a:latin typeface="Times New Roman" pitchFamily="18" charset="0"/>
+                <a:cs typeface="Times New Roman" pitchFamily="18" charset="0"/>
+              </a:rPr>
+              <a:t>Oleh:TITIK</a:t>
+            </a:r>
+            <a:r>
+              <a:rPr lang="en-SG" sz="2400" dirty="0" smtClean="0">
+                <a:latin typeface="Times New Roman" pitchFamily="18" charset="0"/>
+                <a:cs typeface="Times New Roman" pitchFamily="18" charset="0"/>
+              </a:rPr>
+              <a:t> INDARI</a:t>
+            </a:r>
           </a:p>
           <a:p>
             <a:r>
               <a:rPr lang="en-SG" sz="2400" i="1" dirty="0" smtClean="0">
-                <a:latin typeface="Century Gothic" panose="020B0502020202020204" pitchFamily="34" charset="0"/>
+                <a:latin typeface="Times New Roman" pitchFamily="18" charset="0"/>
+                <a:cs typeface="Times New Roman" pitchFamily="18" charset="0"/>
               </a:rPr>
               <a:t>SG Coding Mum – Batch 1</a:t>
             </a:r>
             <a:endParaRPr lang="en-SG" sz="2400" i="1" dirty="0">
-              <a:latin typeface="Century Gothic" panose="020B0502020202020204" pitchFamily="34" charset="0"/>
+              <a:latin typeface="Times New Roman" pitchFamily="18" charset="0"/>
+              <a:cs typeface="Times New Roman" pitchFamily="18" charset="0"/>
             </a:endParaRPr>
           </a:p>
         </p:txBody>
@@ -3352,24 +3346,28 @@
             <a:pPr algn="l"/>
             <a:r>
               <a:rPr lang="en-SG" b="1" dirty="0" err="1" smtClean="0">
-                <a:latin typeface="Century Gothic" panose="020B0502020202020204" pitchFamily="34" charset="0"/>
+                <a:latin typeface="Times New Roman" pitchFamily="18" charset="0"/>
+                <a:cs typeface="Times New Roman" pitchFamily="18" charset="0"/>
               </a:rPr>
               <a:t>Struktur</a:t>
             </a:r>
             <a:r>
               <a:rPr lang="en-SG" b="1" dirty="0" smtClean="0">
-                <a:latin typeface="Century Gothic" panose="020B0502020202020204" pitchFamily="34" charset="0"/>
+                <a:latin typeface="Times New Roman" pitchFamily="18" charset="0"/>
+                <a:cs typeface="Times New Roman" pitchFamily="18" charset="0"/>
               </a:rPr>
               <a:t> </a:t>
             </a:r>
             <a:r>
               <a:rPr lang="en-SG" b="1" dirty="0" err="1" smtClean="0">
-                <a:latin typeface="Century Gothic" panose="020B0502020202020204" pitchFamily="34" charset="0"/>
+                <a:latin typeface="Times New Roman" pitchFamily="18" charset="0"/>
+                <a:cs typeface="Times New Roman" pitchFamily="18" charset="0"/>
               </a:rPr>
               <a:t>Presentasi</a:t>
             </a:r>
             <a:endParaRPr lang="en-SG" b="1" dirty="0">
-              <a:latin typeface="Century Gothic" panose="020B0502020202020204" pitchFamily="34" charset="0"/>
+              <a:latin typeface="Times New Roman" pitchFamily="18" charset="0"/>
+              <a:cs typeface="Times New Roman" pitchFamily="18" charset="0"/>
             </a:endParaRPr>
           </a:p>
         </p:txBody>
@@ -3393,25 +3391,29 @@
           <a:p>
             <a:r>
               <a:rPr lang="en-SG" dirty="0" err="1" smtClean="0">
-                <a:latin typeface="Century Gothic" panose="020B0502020202020204" pitchFamily="34" charset="0"/>
+                <a:latin typeface="Times New Roman" pitchFamily="18" charset="0"/>
+                <a:cs typeface="Times New Roman" pitchFamily="18" charset="0"/>
               </a:rPr>
               <a:t>Definisi</a:t>
             </a:r>
             <a:r>
               <a:rPr lang="en-SG" dirty="0" smtClean="0">
-                <a:latin typeface="Century Gothic" panose="020B0502020202020204" pitchFamily="34" charset="0"/>
+                <a:latin typeface="Times New Roman" pitchFamily="18" charset="0"/>
+                <a:cs typeface="Times New Roman" pitchFamily="18" charset="0"/>
               </a:rPr>
               <a:t> </a:t>
             </a:r>
             <a:r>
               <a:rPr lang="en-SG" dirty="0" err="1" smtClean="0">
-                <a:latin typeface="Century Gothic" panose="020B0502020202020204" pitchFamily="34" charset="0"/>
+                <a:latin typeface="Times New Roman" pitchFamily="18" charset="0"/>
+                <a:cs typeface="Times New Roman" pitchFamily="18" charset="0"/>
               </a:rPr>
               <a:t>proyek</a:t>
             </a:r>
             <a:r>
               <a:rPr lang="en-SG" dirty="0" smtClean="0">
-                <a:latin typeface="Century Gothic" panose="020B0502020202020204" pitchFamily="34" charset="0"/>
+                <a:latin typeface="Times New Roman" pitchFamily="18" charset="0"/>
+                <a:cs typeface="Times New Roman" pitchFamily="18" charset="0"/>
               </a:rPr>
               <a:t>:</a:t>
             </a:r>
@@ -3420,113 +3422,132 @@
             <a:pPr lvl="1"/>
             <a:r>
               <a:rPr lang="en-SG" dirty="0" err="1" smtClean="0">
-                <a:latin typeface="Century Gothic" panose="020B0502020202020204" pitchFamily="34" charset="0"/>
+                <a:latin typeface="Times New Roman" pitchFamily="18" charset="0"/>
+                <a:cs typeface="Times New Roman" pitchFamily="18" charset="0"/>
               </a:rPr>
               <a:t>Latar</a:t>
             </a:r>
             <a:r>
               <a:rPr lang="en-SG" dirty="0" smtClean="0">
-                <a:latin typeface="Century Gothic" panose="020B0502020202020204" pitchFamily="34" charset="0"/>
+                <a:latin typeface="Times New Roman" pitchFamily="18" charset="0"/>
+                <a:cs typeface="Times New Roman" pitchFamily="18" charset="0"/>
               </a:rPr>
               <a:t> </a:t>
             </a:r>
             <a:r>
               <a:rPr lang="en-SG" dirty="0" err="1" smtClean="0">
-                <a:latin typeface="Century Gothic" panose="020B0502020202020204" pitchFamily="34" charset="0"/>
+                <a:latin typeface="Times New Roman" pitchFamily="18" charset="0"/>
+                <a:cs typeface="Times New Roman" pitchFamily="18" charset="0"/>
               </a:rPr>
               <a:t>belakang</a:t>
             </a:r>
             <a:endParaRPr lang="en-SG" dirty="0" smtClean="0">
-              <a:latin typeface="Century Gothic" panose="020B0502020202020204" pitchFamily="34" charset="0"/>
+              <a:latin typeface="Times New Roman" pitchFamily="18" charset="0"/>
+              <a:cs typeface="Times New Roman" pitchFamily="18" charset="0"/>
             </a:endParaRPr>
           </a:p>
           <a:p>
             <a:pPr lvl="1"/>
             <a:r>
               <a:rPr lang="en-SG" dirty="0" err="1" smtClean="0">
-                <a:latin typeface="Century Gothic" panose="020B0502020202020204" pitchFamily="34" charset="0"/>
+                <a:latin typeface="Times New Roman" pitchFamily="18" charset="0"/>
+                <a:cs typeface="Times New Roman" pitchFamily="18" charset="0"/>
               </a:rPr>
               <a:t>Tujuan</a:t>
             </a:r>
             <a:endParaRPr lang="en-SG" dirty="0" smtClean="0">
-              <a:latin typeface="Century Gothic" panose="020B0502020202020204" pitchFamily="34" charset="0"/>
+              <a:latin typeface="Times New Roman" pitchFamily="18" charset="0"/>
+              <a:cs typeface="Times New Roman" pitchFamily="18" charset="0"/>
             </a:endParaRPr>
           </a:p>
           <a:p>
             <a:pPr lvl="1"/>
             <a:r>
               <a:rPr lang="en-SG" dirty="0" err="1" smtClean="0">
-                <a:latin typeface="Century Gothic" panose="020B0502020202020204" pitchFamily="34" charset="0"/>
+                <a:latin typeface="Times New Roman" pitchFamily="18" charset="0"/>
+                <a:cs typeface="Times New Roman" pitchFamily="18" charset="0"/>
               </a:rPr>
               <a:t>Peluang</a:t>
             </a:r>
             <a:r>
               <a:rPr lang="en-SG" dirty="0" smtClean="0">
-                <a:latin typeface="Century Gothic" panose="020B0502020202020204" pitchFamily="34" charset="0"/>
+                <a:latin typeface="Times New Roman" pitchFamily="18" charset="0"/>
+                <a:cs typeface="Times New Roman" pitchFamily="18" charset="0"/>
               </a:rPr>
               <a:t> </a:t>
             </a:r>
             <a:r>
               <a:rPr lang="en-SG" dirty="0" err="1" smtClean="0">
-                <a:latin typeface="Century Gothic" panose="020B0502020202020204" pitchFamily="34" charset="0"/>
+                <a:latin typeface="Times New Roman" pitchFamily="18" charset="0"/>
+                <a:cs typeface="Times New Roman" pitchFamily="18" charset="0"/>
               </a:rPr>
               <a:t>penyempurnaan</a:t>
             </a:r>
             <a:endParaRPr lang="en-SG" dirty="0" smtClean="0">
-              <a:latin typeface="Century Gothic" panose="020B0502020202020204" pitchFamily="34" charset="0"/>
+              <a:latin typeface="Times New Roman" pitchFamily="18" charset="0"/>
+              <a:cs typeface="Times New Roman" pitchFamily="18" charset="0"/>
             </a:endParaRPr>
           </a:p>
           <a:p>
             <a:r>
               <a:rPr lang="en-SG" dirty="0" err="1" smtClean="0">
-                <a:latin typeface="Century Gothic" panose="020B0502020202020204" pitchFamily="34" charset="0"/>
+                <a:latin typeface="Times New Roman" pitchFamily="18" charset="0"/>
+                <a:cs typeface="Times New Roman" pitchFamily="18" charset="0"/>
               </a:rPr>
               <a:t>Ringkasan</a:t>
             </a:r>
             <a:r>
               <a:rPr lang="en-SG" dirty="0" smtClean="0">
-                <a:latin typeface="Century Gothic" panose="020B0502020202020204" pitchFamily="34" charset="0"/>
+                <a:latin typeface="Times New Roman" pitchFamily="18" charset="0"/>
+                <a:cs typeface="Times New Roman" pitchFamily="18" charset="0"/>
               </a:rPr>
               <a:t> html tag(s) </a:t>
             </a:r>
             <a:r>
               <a:rPr lang="en-SG" dirty="0" err="1" smtClean="0">
-                <a:latin typeface="Century Gothic" panose="020B0502020202020204" pitchFamily="34" charset="0"/>
+                <a:latin typeface="Times New Roman" pitchFamily="18" charset="0"/>
+                <a:cs typeface="Times New Roman" pitchFamily="18" charset="0"/>
               </a:rPr>
               <a:t>dan</a:t>
             </a:r>
             <a:r>
               <a:rPr lang="en-SG" dirty="0" smtClean="0">
-                <a:latin typeface="Century Gothic" panose="020B0502020202020204" pitchFamily="34" charset="0"/>
+                <a:latin typeface="Times New Roman" pitchFamily="18" charset="0"/>
+                <a:cs typeface="Times New Roman" pitchFamily="18" charset="0"/>
               </a:rPr>
               <a:t> </a:t>
             </a:r>
             <a:r>
               <a:rPr lang="en-SG" dirty="0" err="1" smtClean="0">
-                <a:latin typeface="Century Gothic" panose="020B0502020202020204" pitchFamily="34" charset="0"/>
+                <a:latin typeface="Times New Roman" pitchFamily="18" charset="0"/>
+                <a:cs typeface="Times New Roman" pitchFamily="18" charset="0"/>
               </a:rPr>
               <a:t>css</a:t>
             </a:r>
             <a:r>
               <a:rPr lang="en-SG" dirty="0" smtClean="0">
-                <a:latin typeface="Century Gothic" panose="020B0502020202020204" pitchFamily="34" charset="0"/>
+                <a:latin typeface="Times New Roman" pitchFamily="18" charset="0"/>
+                <a:cs typeface="Times New Roman" pitchFamily="18" charset="0"/>
               </a:rPr>
               <a:t> yang </a:t>
             </a:r>
             <a:r>
               <a:rPr lang="en-SG" dirty="0" err="1" smtClean="0">
-                <a:latin typeface="Century Gothic" panose="020B0502020202020204" pitchFamily="34" charset="0"/>
+                <a:latin typeface="Times New Roman" pitchFamily="18" charset="0"/>
+                <a:cs typeface="Times New Roman" pitchFamily="18" charset="0"/>
               </a:rPr>
               <a:t>digunakan</a:t>
             </a:r>
             <a:endParaRPr lang="en-SG" dirty="0" smtClean="0">
-              <a:latin typeface="Century Gothic" panose="020B0502020202020204" pitchFamily="34" charset="0"/>
+              <a:latin typeface="Times New Roman" pitchFamily="18" charset="0"/>
+              <a:cs typeface="Times New Roman" pitchFamily="18" charset="0"/>
             </a:endParaRPr>
           </a:p>
           <a:p>
             <a:r>
               <a:rPr lang="en-SG" dirty="0" smtClean="0">
-                <a:latin typeface="Century Gothic" panose="020B0502020202020204" pitchFamily="34" charset="0"/>
+                <a:latin typeface="Times New Roman" pitchFamily="18" charset="0"/>
+                <a:cs typeface="Times New Roman" pitchFamily="18" charset="0"/>
               </a:rPr>
               <a:t>Live demonstration</a:t>
             </a:r>
@@ -3534,12 +3555,14 @@
           <a:p>
             <a:r>
               <a:rPr lang="en-SG" dirty="0" err="1" smtClean="0">
-                <a:latin typeface="Century Gothic" panose="020B0502020202020204" pitchFamily="34" charset="0"/>
+                <a:latin typeface="Times New Roman" pitchFamily="18" charset="0"/>
+                <a:cs typeface="Times New Roman" pitchFamily="18" charset="0"/>
               </a:rPr>
               <a:t>Penutup</a:t>
             </a:r>
             <a:endParaRPr lang="en-SG" dirty="0" smtClean="0">
-              <a:latin typeface="Century Gothic" panose="020B0502020202020204" pitchFamily="34" charset="0"/>
+              <a:latin typeface="Times New Roman" pitchFamily="18" charset="0"/>
+              <a:cs typeface="Times New Roman" pitchFamily="18" charset="0"/>
             </a:endParaRPr>
           </a:p>
           <a:p>
@@ -4006,7 +4029,7 @@
           <a:bodyPr/>
           <a:lstStyle/>
           <a:p>
-            <a:endParaRPr lang="en-SG"/>
+            <a:endParaRPr lang="en-SG" dirty="0"/>
           </a:p>
         </p:txBody>
       </p:sp>

--- a/Titin/Power poin.pptx
+++ b/Titin/Power poin.pptx
@@ -4,6 +4,9 @@
   <p:sldMasterIdLst>
     <p:sldMasterId id="2147483648" r:id="rId1"/>
   </p:sldMasterIdLst>
+  <p:notesMasterIdLst>
+    <p:notesMasterId r:id="rId10"/>
+  </p:notesMasterIdLst>
   <p:sldIdLst>
     <p:sldId id="256" r:id="rId2"/>
     <p:sldId id="257" r:id="rId3"/>
@@ -114,6 +117,443 @@
 </p:presentation>
 </file>
 
+<file path=ppt/notesMasters/notesMaster1.xml><?xml version="1.0" encoding="utf-8"?>
+<p:notesMaster xmlns:a="http://schemas.openxmlformats.org/drawingml/2006/main" xmlns:r="http://schemas.openxmlformats.org/officeDocument/2006/relationships" xmlns:p="http://schemas.openxmlformats.org/presentationml/2006/main">
+  <p:cSld>
+    <p:bg>
+      <p:bgRef idx="1001">
+        <a:schemeClr val="bg1"/>
+      </p:bgRef>
+    </p:bg>
+    <p:spTree>
+      <p:nvGrpSpPr>
+        <p:cNvPr id="1" name=""/>
+        <p:cNvGrpSpPr/>
+        <p:nvPr/>
+      </p:nvGrpSpPr>
+      <p:grpSpPr>
+        <a:xfrm>
+          <a:off x="0" y="0"/>
+          <a:ext cx="0" cy="0"/>
+          <a:chOff x="0" y="0"/>
+          <a:chExt cx="0" cy="0"/>
+        </a:xfrm>
+      </p:grpSpPr>
+      <p:sp>
+        <p:nvSpPr>
+          <p:cNvPr id="2" name="Header Placeholder 1"/>
+          <p:cNvSpPr>
+            <a:spLocks noGrp="1"/>
+          </p:cNvSpPr>
+          <p:nvPr>
+            <p:ph type="hdr" sz="quarter"/>
+          </p:nvPr>
+        </p:nvSpPr>
+        <p:spPr>
+          <a:xfrm>
+            <a:off x="0" y="0"/>
+            <a:ext cx="2971800" cy="457200"/>
+          </a:xfrm>
+          <a:prstGeom prst="rect">
+            <a:avLst/>
+          </a:prstGeom>
+        </p:spPr>
+        <p:txBody>
+          <a:bodyPr vert="horz" lIns="91440" tIns="45720" rIns="91440" bIns="45720" rtlCol="0"/>
+          <a:lstStyle>
+            <a:lvl1pPr algn="l">
+              <a:defRPr sz="1200"/>
+            </a:lvl1pPr>
+          </a:lstStyle>
+          <a:p>
+            <a:endParaRPr lang="en-SG"/>
+          </a:p>
+        </p:txBody>
+      </p:sp>
+      <p:sp>
+        <p:nvSpPr>
+          <p:cNvPr id="3" name="Date Placeholder 2"/>
+          <p:cNvSpPr>
+            <a:spLocks noGrp="1"/>
+          </p:cNvSpPr>
+          <p:nvPr>
+            <p:ph type="dt" idx="1"/>
+          </p:nvPr>
+        </p:nvSpPr>
+        <p:spPr>
+          <a:xfrm>
+            <a:off x="3884613" y="0"/>
+            <a:ext cx="2971800" cy="457200"/>
+          </a:xfrm>
+          <a:prstGeom prst="rect">
+            <a:avLst/>
+          </a:prstGeom>
+        </p:spPr>
+        <p:txBody>
+          <a:bodyPr vert="horz" lIns="91440" tIns="45720" rIns="91440" bIns="45720" rtlCol="0"/>
+          <a:lstStyle>
+            <a:lvl1pPr algn="r">
+              <a:defRPr sz="1200"/>
+            </a:lvl1pPr>
+          </a:lstStyle>
+          <a:p>
+            <a:fld id="{9A082AE2-2FC4-4955-B214-DC60D5A819A6}" type="datetimeFigureOut">
+              <a:rPr lang="en-SG" smtClean="0"/>
+              <a:t>11/3/2017</a:t>
+            </a:fld>
+            <a:endParaRPr lang="en-SG"/>
+          </a:p>
+        </p:txBody>
+      </p:sp>
+      <p:sp>
+        <p:nvSpPr>
+          <p:cNvPr id="4" name="Slide Image Placeholder 3"/>
+          <p:cNvSpPr>
+            <a:spLocks noGrp="1" noRot="1" noChangeAspect="1"/>
+          </p:cNvSpPr>
+          <p:nvPr>
+            <p:ph type="sldImg" idx="2"/>
+          </p:nvPr>
+        </p:nvSpPr>
+        <p:spPr>
+          <a:xfrm>
+            <a:off x="1143000" y="685800"/>
+            <a:ext cx="4572000" cy="3429000"/>
+          </a:xfrm>
+          <a:prstGeom prst="rect">
+            <a:avLst/>
+          </a:prstGeom>
+          <a:noFill/>
+          <a:ln w="12700">
+            <a:solidFill>
+              <a:prstClr val="black"/>
+            </a:solidFill>
+          </a:ln>
+        </p:spPr>
+        <p:txBody>
+          <a:bodyPr vert="horz" lIns="91440" tIns="45720" rIns="91440" bIns="45720" rtlCol="0" anchor="ctr"/>
+          <a:lstStyle/>
+          <a:p>
+            <a:endParaRPr lang="en-SG"/>
+          </a:p>
+        </p:txBody>
+      </p:sp>
+      <p:sp>
+        <p:nvSpPr>
+          <p:cNvPr id="5" name="Notes Placeholder 4"/>
+          <p:cNvSpPr>
+            <a:spLocks noGrp="1"/>
+          </p:cNvSpPr>
+          <p:nvPr>
+            <p:ph type="body" sz="quarter" idx="3"/>
+          </p:nvPr>
+        </p:nvSpPr>
+        <p:spPr>
+          <a:xfrm>
+            <a:off x="685800" y="4343400"/>
+            <a:ext cx="5486400" cy="4114800"/>
+          </a:xfrm>
+          <a:prstGeom prst="rect">
+            <a:avLst/>
+          </a:prstGeom>
+        </p:spPr>
+        <p:txBody>
+          <a:bodyPr vert="horz" lIns="91440" tIns="45720" rIns="91440" bIns="45720" rtlCol="0"/>
+          <a:lstStyle/>
+          <a:p>
+            <a:pPr lvl="0"/>
+            <a:r>
+              <a:rPr lang="en-US" smtClean="0"/>
+              <a:t>Click to edit Master text styles</a:t>
+            </a:r>
+          </a:p>
+          <a:p>
+            <a:pPr lvl="1"/>
+            <a:r>
+              <a:rPr lang="en-US" smtClean="0"/>
+              <a:t>Second level</a:t>
+            </a:r>
+          </a:p>
+          <a:p>
+            <a:pPr lvl="2"/>
+            <a:r>
+              <a:rPr lang="en-US" smtClean="0"/>
+              <a:t>Third level</a:t>
+            </a:r>
+          </a:p>
+          <a:p>
+            <a:pPr lvl="3"/>
+            <a:r>
+              <a:rPr lang="en-US" smtClean="0"/>
+              <a:t>Fourth level</a:t>
+            </a:r>
+          </a:p>
+          <a:p>
+            <a:pPr lvl="4"/>
+            <a:r>
+              <a:rPr lang="en-US" smtClean="0"/>
+              <a:t>Fifth level</a:t>
+            </a:r>
+            <a:endParaRPr lang="en-SG"/>
+          </a:p>
+        </p:txBody>
+      </p:sp>
+      <p:sp>
+        <p:nvSpPr>
+          <p:cNvPr id="6" name="Footer Placeholder 5"/>
+          <p:cNvSpPr>
+            <a:spLocks noGrp="1"/>
+          </p:cNvSpPr>
+          <p:nvPr>
+            <p:ph type="ftr" sz="quarter" idx="4"/>
+          </p:nvPr>
+        </p:nvSpPr>
+        <p:spPr>
+          <a:xfrm>
+            <a:off x="0" y="8685213"/>
+            <a:ext cx="2971800" cy="457200"/>
+          </a:xfrm>
+          <a:prstGeom prst="rect">
+            <a:avLst/>
+          </a:prstGeom>
+        </p:spPr>
+        <p:txBody>
+          <a:bodyPr vert="horz" lIns="91440" tIns="45720" rIns="91440" bIns="45720" rtlCol="0" anchor="b"/>
+          <a:lstStyle>
+            <a:lvl1pPr algn="l">
+              <a:defRPr sz="1200"/>
+            </a:lvl1pPr>
+          </a:lstStyle>
+          <a:p>
+            <a:endParaRPr lang="en-SG"/>
+          </a:p>
+        </p:txBody>
+      </p:sp>
+      <p:sp>
+        <p:nvSpPr>
+          <p:cNvPr id="7" name="Slide Number Placeholder 6"/>
+          <p:cNvSpPr>
+            <a:spLocks noGrp="1"/>
+          </p:cNvSpPr>
+          <p:nvPr>
+            <p:ph type="sldNum" sz="quarter" idx="5"/>
+          </p:nvPr>
+        </p:nvSpPr>
+        <p:spPr>
+          <a:xfrm>
+            <a:off x="3884613" y="8685213"/>
+            <a:ext cx="2971800" cy="457200"/>
+          </a:xfrm>
+          <a:prstGeom prst="rect">
+            <a:avLst/>
+          </a:prstGeom>
+        </p:spPr>
+        <p:txBody>
+          <a:bodyPr vert="horz" lIns="91440" tIns="45720" rIns="91440" bIns="45720" rtlCol="0" anchor="b"/>
+          <a:lstStyle>
+            <a:lvl1pPr algn="r">
+              <a:defRPr sz="1200"/>
+            </a:lvl1pPr>
+          </a:lstStyle>
+          <a:p>
+            <a:fld id="{8F7C732E-5B14-45BA-A8B8-5BEFF499D039}" type="slidenum">
+              <a:rPr lang="en-SG" smtClean="0"/>
+              <a:t>‹#›</a:t>
+            </a:fld>
+            <a:endParaRPr lang="en-SG"/>
+          </a:p>
+        </p:txBody>
+      </p:sp>
+    </p:spTree>
+    <p:extLst>
+      <p:ext uri="{BB962C8B-B14F-4D97-AF65-F5344CB8AC3E}">
+        <p14:creationId xmlns:p14="http://schemas.microsoft.com/office/powerpoint/2010/main" val="2446814875"/>
+      </p:ext>
+    </p:extLst>
+  </p:cSld>
+  <p:clrMap bg1="lt1" tx1="dk1" bg2="lt2" tx2="dk2" accent1="accent1" accent2="accent2" accent3="accent3" accent4="accent4" accent5="accent5" accent6="accent6" hlink="hlink" folHlink="folHlink"/>
+  <p:notesStyle>
+    <a:lvl1pPr marL="0" algn="l" defTabSz="914400" rtl="0" eaLnBrk="1" latinLnBrk="0" hangingPunct="1">
+      <a:defRPr sz="1200" kern="1200">
+        <a:solidFill>
+          <a:schemeClr val="tx1"/>
+        </a:solidFill>
+        <a:latin typeface="+mn-lt"/>
+        <a:ea typeface="+mn-ea"/>
+        <a:cs typeface="+mn-cs"/>
+      </a:defRPr>
+    </a:lvl1pPr>
+    <a:lvl2pPr marL="457200" algn="l" defTabSz="914400" rtl="0" eaLnBrk="1" latinLnBrk="0" hangingPunct="1">
+      <a:defRPr sz="1200" kern="1200">
+        <a:solidFill>
+          <a:schemeClr val="tx1"/>
+        </a:solidFill>
+        <a:latin typeface="+mn-lt"/>
+        <a:ea typeface="+mn-ea"/>
+        <a:cs typeface="+mn-cs"/>
+      </a:defRPr>
+    </a:lvl2pPr>
+    <a:lvl3pPr marL="914400" algn="l" defTabSz="914400" rtl="0" eaLnBrk="1" latinLnBrk="0" hangingPunct="1">
+      <a:defRPr sz="1200" kern="1200">
+        <a:solidFill>
+          <a:schemeClr val="tx1"/>
+        </a:solidFill>
+        <a:latin typeface="+mn-lt"/>
+        <a:ea typeface="+mn-ea"/>
+        <a:cs typeface="+mn-cs"/>
+      </a:defRPr>
+    </a:lvl3pPr>
+    <a:lvl4pPr marL="1371600" algn="l" defTabSz="914400" rtl="0" eaLnBrk="1" latinLnBrk="0" hangingPunct="1">
+      <a:defRPr sz="1200" kern="1200">
+        <a:solidFill>
+          <a:schemeClr val="tx1"/>
+        </a:solidFill>
+        <a:latin typeface="+mn-lt"/>
+        <a:ea typeface="+mn-ea"/>
+        <a:cs typeface="+mn-cs"/>
+      </a:defRPr>
+    </a:lvl4pPr>
+    <a:lvl5pPr marL="1828800" algn="l" defTabSz="914400" rtl="0" eaLnBrk="1" latinLnBrk="0" hangingPunct="1">
+      <a:defRPr sz="1200" kern="1200">
+        <a:solidFill>
+          <a:schemeClr val="tx1"/>
+        </a:solidFill>
+        <a:latin typeface="+mn-lt"/>
+        <a:ea typeface="+mn-ea"/>
+        <a:cs typeface="+mn-cs"/>
+      </a:defRPr>
+    </a:lvl5pPr>
+    <a:lvl6pPr marL="2286000" algn="l" defTabSz="914400" rtl="0" eaLnBrk="1" latinLnBrk="0" hangingPunct="1">
+      <a:defRPr sz="1200" kern="1200">
+        <a:solidFill>
+          <a:schemeClr val="tx1"/>
+        </a:solidFill>
+        <a:latin typeface="+mn-lt"/>
+        <a:ea typeface="+mn-ea"/>
+        <a:cs typeface="+mn-cs"/>
+      </a:defRPr>
+    </a:lvl6pPr>
+    <a:lvl7pPr marL="2743200" algn="l" defTabSz="914400" rtl="0" eaLnBrk="1" latinLnBrk="0" hangingPunct="1">
+      <a:defRPr sz="1200" kern="1200">
+        <a:solidFill>
+          <a:schemeClr val="tx1"/>
+        </a:solidFill>
+        <a:latin typeface="+mn-lt"/>
+        <a:ea typeface="+mn-ea"/>
+        <a:cs typeface="+mn-cs"/>
+      </a:defRPr>
+    </a:lvl7pPr>
+    <a:lvl8pPr marL="3200400" algn="l" defTabSz="914400" rtl="0" eaLnBrk="1" latinLnBrk="0" hangingPunct="1">
+      <a:defRPr sz="1200" kern="1200">
+        <a:solidFill>
+          <a:schemeClr val="tx1"/>
+        </a:solidFill>
+        <a:latin typeface="+mn-lt"/>
+        <a:ea typeface="+mn-ea"/>
+        <a:cs typeface="+mn-cs"/>
+      </a:defRPr>
+    </a:lvl8pPr>
+    <a:lvl9pPr marL="3657600" algn="l" defTabSz="914400" rtl="0" eaLnBrk="1" latinLnBrk="0" hangingPunct="1">
+      <a:defRPr sz="1200" kern="1200">
+        <a:solidFill>
+          <a:schemeClr val="tx1"/>
+        </a:solidFill>
+        <a:latin typeface="+mn-lt"/>
+        <a:ea typeface="+mn-ea"/>
+        <a:cs typeface="+mn-cs"/>
+      </a:defRPr>
+    </a:lvl9pPr>
+  </p:notesStyle>
+</p:notesMaster>
+</file>
+
+<file path=ppt/notesSlides/notesSlide1.xml><?xml version="1.0" encoding="utf-8"?>
+<p:notes xmlns:a="http://schemas.openxmlformats.org/drawingml/2006/main" xmlns:r="http://schemas.openxmlformats.org/officeDocument/2006/relationships" xmlns:p="http://schemas.openxmlformats.org/presentationml/2006/main">
+  <p:cSld>
+    <p:spTree>
+      <p:nvGrpSpPr>
+        <p:cNvPr id="1" name=""/>
+        <p:cNvGrpSpPr/>
+        <p:nvPr/>
+      </p:nvGrpSpPr>
+      <p:grpSpPr>
+        <a:xfrm>
+          <a:off x="0" y="0"/>
+          <a:ext cx="0" cy="0"/>
+          <a:chOff x="0" y="0"/>
+          <a:chExt cx="0" cy="0"/>
+        </a:xfrm>
+      </p:grpSpPr>
+      <p:sp>
+        <p:nvSpPr>
+          <p:cNvPr id="2" name="Slide Image Placeholder 1"/>
+          <p:cNvSpPr>
+            <a:spLocks noGrp="1" noRot="1" noChangeAspect="1"/>
+          </p:cNvSpPr>
+          <p:nvPr>
+            <p:ph type="sldImg"/>
+          </p:nvPr>
+        </p:nvSpPr>
+        <p:spPr/>
+      </p:sp>
+      <p:sp>
+        <p:nvSpPr>
+          <p:cNvPr id="3" name="Notes Placeholder 2"/>
+          <p:cNvSpPr>
+            <a:spLocks noGrp="1"/>
+          </p:cNvSpPr>
+          <p:nvPr>
+            <p:ph type="body" idx="1"/>
+          </p:nvPr>
+        </p:nvSpPr>
+        <p:spPr/>
+        <p:txBody>
+          <a:bodyPr/>
+          <a:lstStyle/>
+          <a:p>
+            <a:endParaRPr lang="en-SG" dirty="0" smtClean="0"/>
+          </a:p>
+          <a:p>
+            <a:endParaRPr lang="en-SG" dirty="0"/>
+          </a:p>
+        </p:txBody>
+      </p:sp>
+      <p:sp>
+        <p:nvSpPr>
+          <p:cNvPr id="4" name="Slide Number Placeholder 3"/>
+          <p:cNvSpPr>
+            <a:spLocks noGrp="1"/>
+          </p:cNvSpPr>
+          <p:nvPr>
+            <p:ph type="sldNum" sz="quarter" idx="10"/>
+          </p:nvPr>
+        </p:nvSpPr>
+        <p:spPr/>
+        <p:txBody>
+          <a:bodyPr/>
+          <a:lstStyle/>
+          <a:p>
+            <a:fld id="{8F7C732E-5B14-45BA-A8B8-5BEFF499D039}" type="slidenum">
+              <a:rPr lang="en-SG" smtClean="0"/>
+              <a:t>1</a:t>
+            </a:fld>
+            <a:endParaRPr lang="en-SG"/>
+          </a:p>
+        </p:txBody>
+      </p:sp>
+    </p:spTree>
+    <p:extLst>
+      <p:ext uri="{BB962C8B-B14F-4D97-AF65-F5344CB8AC3E}">
+        <p14:creationId xmlns:p14="http://schemas.microsoft.com/office/powerpoint/2010/main" val="2247957606"/>
+      </p:ext>
+    </p:extLst>
+  </p:cSld>
+  <p:clrMapOvr>
+    <a:masterClrMapping/>
+  </p:clrMapOvr>
+</p:notes>
+</file>
+
 <file path=ppt/slideLayouts/slideLayout1.xml><?xml version="1.0" encoding="utf-8"?>
 <p:sldLayout xmlns:a="http://schemas.openxmlformats.org/drawingml/2006/main" xmlns:r="http://schemas.openxmlformats.org/officeDocument/2006/relationships" xmlns:p="http://schemas.openxmlformats.org/presentationml/2006/main" type="title" preserve="1">
   <p:cSld name="Title Slide">
@@ -296,7 +736,7 @@
             <a:fld id="{D817A79A-4FE6-453A-A024-37333D95B947}" type="datetimeFigureOut">
               <a:rPr lang="en-SG" smtClean="0"/>
               <a:pPr/>
-              <a:t>9/3/2017</a:t>
+              <a:t>11/3/2017</a:t>
             </a:fld>
             <a:endParaRPr lang="en-SG"/>
           </a:p>
@@ -468,7 +908,7 @@
             <a:fld id="{D817A79A-4FE6-453A-A024-37333D95B947}" type="datetimeFigureOut">
               <a:rPr lang="en-SG" smtClean="0"/>
               <a:pPr/>
-              <a:t>9/3/2017</a:t>
+              <a:t>11/3/2017</a:t>
             </a:fld>
             <a:endParaRPr lang="en-SG"/>
           </a:p>
@@ -650,7 +1090,7 @@
             <a:fld id="{D817A79A-4FE6-453A-A024-37333D95B947}" type="datetimeFigureOut">
               <a:rPr lang="en-SG" smtClean="0"/>
               <a:pPr/>
-              <a:t>9/3/2017</a:t>
+              <a:t>11/3/2017</a:t>
             </a:fld>
             <a:endParaRPr lang="en-SG"/>
           </a:p>
@@ -822,7 +1262,7 @@
             <a:fld id="{D817A79A-4FE6-453A-A024-37333D95B947}" type="datetimeFigureOut">
               <a:rPr lang="en-SG" smtClean="0"/>
               <a:pPr/>
-              <a:t>9/3/2017</a:t>
+              <a:t>11/3/2017</a:t>
             </a:fld>
             <a:endParaRPr lang="en-SG"/>
           </a:p>
@@ -1070,7 +1510,7 @@
             <a:fld id="{D817A79A-4FE6-453A-A024-37333D95B947}" type="datetimeFigureOut">
               <a:rPr lang="en-SG" smtClean="0"/>
               <a:pPr/>
-              <a:t>9/3/2017</a:t>
+              <a:t>11/3/2017</a:t>
             </a:fld>
             <a:endParaRPr lang="en-SG"/>
           </a:p>
@@ -1360,7 +1800,7 @@
             <a:fld id="{D817A79A-4FE6-453A-A024-37333D95B947}" type="datetimeFigureOut">
               <a:rPr lang="en-SG" smtClean="0"/>
               <a:pPr/>
-              <a:t>9/3/2017</a:t>
+              <a:t>11/3/2017</a:t>
             </a:fld>
             <a:endParaRPr lang="en-SG"/>
           </a:p>
@@ -1784,7 +2224,7 @@
             <a:fld id="{D817A79A-4FE6-453A-A024-37333D95B947}" type="datetimeFigureOut">
               <a:rPr lang="en-SG" smtClean="0"/>
               <a:pPr/>
-              <a:t>9/3/2017</a:t>
+              <a:t>11/3/2017</a:t>
             </a:fld>
             <a:endParaRPr lang="en-SG"/>
           </a:p>
@@ -1904,7 +2344,7 @@
             <a:fld id="{D817A79A-4FE6-453A-A024-37333D95B947}" type="datetimeFigureOut">
               <a:rPr lang="en-SG" smtClean="0"/>
               <a:pPr/>
-              <a:t>9/3/2017</a:t>
+              <a:t>11/3/2017</a:t>
             </a:fld>
             <a:endParaRPr lang="en-SG"/>
           </a:p>
@@ -2001,7 +2441,7 @@
             <a:fld id="{D817A79A-4FE6-453A-A024-37333D95B947}" type="datetimeFigureOut">
               <a:rPr lang="en-SG" smtClean="0"/>
               <a:pPr/>
-              <a:t>9/3/2017</a:t>
+              <a:t>11/3/2017</a:t>
             </a:fld>
             <a:endParaRPr lang="en-SG"/>
           </a:p>
@@ -2280,7 +2720,7 @@
             <a:fld id="{D817A79A-4FE6-453A-A024-37333D95B947}" type="datetimeFigureOut">
               <a:rPr lang="en-SG" smtClean="0"/>
               <a:pPr/>
-              <a:t>9/3/2017</a:t>
+              <a:t>11/3/2017</a:t>
             </a:fld>
             <a:endParaRPr lang="en-SG"/>
           </a:p>
@@ -2535,7 +2975,7 @@
             <a:fld id="{D817A79A-4FE6-453A-A024-37333D95B947}" type="datetimeFigureOut">
               <a:rPr lang="en-SG" smtClean="0"/>
               <a:pPr/>
-              <a:t>9/3/2017</a:t>
+              <a:t>11/3/2017</a:t>
             </a:fld>
             <a:endParaRPr lang="en-SG"/>
           </a:p>
@@ -2760,7 +3200,7 @@
             <a:fld id="{D817A79A-4FE6-453A-A024-37333D95B947}" type="datetimeFigureOut">
               <a:rPr lang="en-SG" smtClean="0"/>
               <a:pPr/>
-              <a:t>9/3/2017</a:t>
+              <a:t>11/3/2017</a:t>
             </a:fld>
             <a:endParaRPr lang="en-SG"/>
           </a:p>
@@ -3148,8 +3588,8 @@
         </p:nvSpPr>
         <p:spPr>
           <a:xfrm>
-            <a:off x="827584" y="1556792"/>
-            <a:ext cx="7772400" cy="2376264"/>
+            <a:off x="835554" y="137701"/>
+            <a:ext cx="6832790" cy="2376264"/>
           </a:xfrm>
         </p:spPr>
         <p:txBody>
@@ -3197,8 +3637,8 @@
         </p:nvSpPr>
         <p:spPr>
           <a:xfrm>
-            <a:off x="1371600" y="3886200"/>
-            <a:ext cx="6400800" cy="1343000"/>
+            <a:off x="1403648" y="3429000"/>
+            <a:ext cx="6120680" cy="1343000"/>
           </a:xfrm>
         </p:spPr>
         <p:txBody>
@@ -3239,20 +3679,16 @@
       </p:sp>
       <p:pic>
         <p:nvPicPr>
-          <p:cNvPr id="7" name="Picture 2"/>
+          <p:cNvPr id="5" name="Picture 2" descr="Berkas:Badan Ekonomi Kratif Indonesia.jpg">
+            <a:hlinkClick r:id="rId3"/>
+          </p:cNvPr>
           <p:cNvPicPr>
             <a:picLocks noChangeAspect="1" noChangeArrowheads="1"/>
           </p:cNvPicPr>
           <p:nvPr/>
         </p:nvPicPr>
         <p:blipFill>
-          <a:blip r:embed="rId2" cstate="print">
-            <a:extLst>
-              <a:ext uri="{28A0092B-C50C-407E-A947-70E740481C1C}">
-                <a14:useLocalDpi xmlns:a14="http://schemas.microsoft.com/office/drawing/2010/main" val="0"/>
-              </a:ext>
-            </a:extLst>
-          </a:blip>
+          <a:blip r:embed="rId4"/>
           <a:srcRect/>
           <a:stretch>
             <a:fillRect/>
@@ -3260,35 +3696,13 @@
         </p:blipFill>
         <p:spPr bwMode="auto">
           <a:xfrm>
-            <a:off x="8172400" y="116632"/>
-            <a:ext cx="871108" cy="970663"/>
+            <a:off x="7380312" y="116632"/>
+            <a:ext cx="1676400" cy="1676400"/>
           </a:xfrm>
           <a:prstGeom prst="rect">
             <a:avLst/>
           </a:prstGeom>
           <a:noFill/>
-          <a:ln>
-            <a:noFill/>
-          </a:ln>
-          <a:extLst>
-            <a:ext uri="{909E8E84-426E-40DD-AFC4-6F175D3DCCD1}">
-              <a14:hiddenFill xmlns:a14="http://schemas.microsoft.com/office/drawing/2010/main">
-                <a:solidFill>
-                  <a:schemeClr val="accent1"/>
-                </a:solidFill>
-              </a14:hiddenFill>
-            </a:ext>
-            <a:ext uri="{91240B29-F687-4F45-9708-019B960494DF}">
-              <a14:hiddenLine xmlns:a14="http://schemas.microsoft.com/office/drawing/2010/main" w="9525">
-                <a:solidFill>
-                  <a:schemeClr val="tx1"/>
-                </a:solidFill>
-                <a:miter lim="800000"/>
-                <a:headEnd/>
-                <a:tailEnd/>
-              </a14:hiddenLine>
-            </a:ext>
-          </a:extLst>
         </p:spPr>
       </p:pic>
     </p:spTree>
@@ -3349,7 +3763,7 @@
                 <a:latin typeface="Times New Roman" pitchFamily="18" charset="0"/>
                 <a:cs typeface="Times New Roman" pitchFamily="18" charset="0"/>
               </a:rPr>
-              <a:t>Struktur</a:t>
+              <a:t>Jual</a:t>
             </a:r>
             <a:r>
               <a:rPr lang="en-SG" b="1" dirty="0" smtClean="0">
@@ -3363,7 +3777,42 @@
                 <a:latin typeface="Times New Roman" pitchFamily="18" charset="0"/>
                 <a:cs typeface="Times New Roman" pitchFamily="18" charset="0"/>
               </a:rPr>
-              <a:t>Presentasi</a:t>
+              <a:t>beli</a:t>
+            </a:r>
+            <a:r>
+              <a:rPr lang="en-SG" b="1" dirty="0" smtClean="0">
+                <a:latin typeface="Times New Roman" pitchFamily="18" charset="0"/>
+                <a:cs typeface="Times New Roman" pitchFamily="18" charset="0"/>
+              </a:rPr>
+              <a:t> </a:t>
+            </a:r>
+            <a:r>
+              <a:rPr lang="en-SG" b="1" dirty="0" err="1" smtClean="0">
+                <a:latin typeface="Times New Roman" pitchFamily="18" charset="0"/>
+                <a:cs typeface="Times New Roman" pitchFamily="18" charset="0"/>
+              </a:rPr>
+              <a:t>sufenir</a:t>
+            </a:r>
+            <a:r>
+              <a:rPr lang="en-SG" b="1" dirty="0" smtClean="0">
+                <a:latin typeface="Times New Roman" pitchFamily="18" charset="0"/>
+                <a:cs typeface="Times New Roman" pitchFamily="18" charset="0"/>
+              </a:rPr>
+              <a:t> </a:t>
+            </a:r>
+            <a:r>
+              <a:rPr lang="en-SG" b="1" dirty="0" err="1" smtClean="0">
+                <a:latin typeface="Times New Roman" pitchFamily="18" charset="0"/>
+                <a:cs typeface="Times New Roman" pitchFamily="18" charset="0"/>
+              </a:rPr>
+              <a:t>sepak</a:t>
+            </a:r>
+            <a:r>
+              <a:rPr lang="en-SG" b="1" dirty="0" smtClean="0">
+                <a:latin typeface="Times New Roman" pitchFamily="18" charset="0"/>
+                <a:cs typeface="Times New Roman" pitchFamily="18" charset="0"/>
+              </a:rPr>
+              <a:t> bola</a:t>
             </a:r>
             <a:endParaRPr lang="en-SG" b="1" dirty="0">
               <a:latin typeface="Times New Roman" pitchFamily="18" charset="0"/>
@@ -3394,7 +3843,7 @@
                 <a:latin typeface="Times New Roman" pitchFamily="18" charset="0"/>
                 <a:cs typeface="Times New Roman" pitchFamily="18" charset="0"/>
               </a:rPr>
-              <a:t>Definisi</a:t>
+              <a:t>Jaringan</a:t>
             </a:r>
             <a:r>
               <a:rPr lang="en-SG" dirty="0" smtClean="0">
@@ -3404,28 +3853,32 @@
               <a:t> </a:t>
             </a:r>
             <a:r>
+              <a:rPr lang="en-SG" dirty="0" err="1">
+                <a:latin typeface="Times New Roman" pitchFamily="18" charset="0"/>
+                <a:cs typeface="Times New Roman" pitchFamily="18" charset="0"/>
+              </a:rPr>
+              <a:t>b</a:t>
+            </a:r>
+            <a:r>
               <a:rPr lang="en-SG" dirty="0" err="1" smtClean="0">
                 <a:latin typeface="Times New Roman" pitchFamily="18" charset="0"/>
                 <a:cs typeface="Times New Roman" pitchFamily="18" charset="0"/>
               </a:rPr>
-              <a:t>proyek</a:t>
+              <a:t>isnis</a:t>
             </a:r>
             <a:r>
               <a:rPr lang="en-SG" dirty="0" smtClean="0">
                 <a:latin typeface="Times New Roman" pitchFamily="18" charset="0"/>
                 <a:cs typeface="Times New Roman" pitchFamily="18" charset="0"/>
               </a:rPr>
-              <a:t>:</a:t>
-            </a:r>
-          </a:p>
-          <a:p>
-            <a:pPr lvl="1"/>
+              <a:t> yang </a:t>
+            </a:r>
             <a:r>
               <a:rPr lang="en-SG" dirty="0" err="1" smtClean="0">
                 <a:latin typeface="Times New Roman" pitchFamily="18" charset="0"/>
                 <a:cs typeface="Times New Roman" pitchFamily="18" charset="0"/>
               </a:rPr>
-              <a:t>Latar</a:t>
+              <a:t>luas</a:t>
             </a:r>
             <a:r>
               <a:rPr lang="en-SG" dirty="0" smtClean="0">
@@ -3439,7 +3892,149 @@
                 <a:latin typeface="Times New Roman" pitchFamily="18" charset="0"/>
                 <a:cs typeface="Times New Roman" pitchFamily="18" charset="0"/>
               </a:rPr>
-              <a:t>belakang</a:t>
+              <a:t>serta</a:t>
+            </a:r>
+            <a:r>
+              <a:rPr lang="en-SG" dirty="0" smtClean="0">
+                <a:latin typeface="Times New Roman" pitchFamily="18" charset="0"/>
+                <a:cs typeface="Times New Roman" pitchFamily="18" charset="0"/>
+              </a:rPr>
+              <a:t> </a:t>
+            </a:r>
+            <a:r>
+              <a:rPr lang="en-SG" dirty="0" err="1" smtClean="0">
+                <a:latin typeface="Times New Roman" pitchFamily="18" charset="0"/>
+                <a:cs typeface="Times New Roman" pitchFamily="18" charset="0"/>
+              </a:rPr>
+              <a:t>banyaknya</a:t>
+            </a:r>
+            <a:r>
+              <a:rPr lang="en-SG" dirty="0" smtClean="0">
+                <a:latin typeface="Times New Roman" pitchFamily="18" charset="0"/>
+                <a:cs typeface="Times New Roman" pitchFamily="18" charset="0"/>
+              </a:rPr>
+              <a:t> </a:t>
+            </a:r>
+            <a:r>
+              <a:rPr lang="en-SG" dirty="0" err="1" smtClean="0">
+                <a:latin typeface="Times New Roman" pitchFamily="18" charset="0"/>
+                <a:cs typeface="Times New Roman" pitchFamily="18" charset="0"/>
+              </a:rPr>
+              <a:t>peminat</a:t>
+            </a:r>
+            <a:r>
+              <a:rPr lang="en-SG" dirty="0" smtClean="0">
+                <a:latin typeface="Times New Roman" pitchFamily="18" charset="0"/>
+                <a:cs typeface="Times New Roman" pitchFamily="18" charset="0"/>
+              </a:rPr>
+              <a:t> </a:t>
+            </a:r>
+            <a:r>
+              <a:rPr lang="en-SG" dirty="0" err="1" smtClean="0">
+                <a:latin typeface="Times New Roman" pitchFamily="18" charset="0"/>
+                <a:cs typeface="Times New Roman" pitchFamily="18" charset="0"/>
+              </a:rPr>
+              <a:t>sepak</a:t>
+            </a:r>
+            <a:r>
+              <a:rPr lang="en-SG" dirty="0" smtClean="0">
+                <a:latin typeface="Times New Roman" pitchFamily="18" charset="0"/>
+                <a:cs typeface="Times New Roman" pitchFamily="18" charset="0"/>
+              </a:rPr>
+              <a:t> bola </a:t>
+            </a:r>
+            <a:r>
+              <a:rPr lang="en-SG" dirty="0" err="1" smtClean="0">
+                <a:latin typeface="Times New Roman" pitchFamily="18" charset="0"/>
+                <a:cs typeface="Times New Roman" pitchFamily="18" charset="0"/>
+              </a:rPr>
+              <a:t>sangat</a:t>
+            </a:r>
+            <a:r>
+              <a:rPr lang="en-SG" dirty="0" smtClean="0">
+                <a:latin typeface="Times New Roman" pitchFamily="18" charset="0"/>
+                <a:cs typeface="Times New Roman" pitchFamily="18" charset="0"/>
+              </a:rPr>
+              <a:t> </a:t>
+            </a:r>
+            <a:r>
+              <a:rPr lang="en-SG" dirty="0" err="1" smtClean="0">
+                <a:latin typeface="Times New Roman" pitchFamily="18" charset="0"/>
+                <a:cs typeface="Times New Roman" pitchFamily="18" charset="0"/>
+              </a:rPr>
+              <a:t>mendukung</a:t>
+            </a:r>
+            <a:r>
+              <a:rPr lang="en-SG" dirty="0" smtClean="0">
+                <a:latin typeface="Times New Roman" pitchFamily="18" charset="0"/>
+                <a:cs typeface="Times New Roman" pitchFamily="18" charset="0"/>
+              </a:rPr>
+              <a:t> </a:t>
+            </a:r>
+            <a:r>
+              <a:rPr lang="en-SG" dirty="0" err="1" smtClean="0">
+                <a:latin typeface="Times New Roman" pitchFamily="18" charset="0"/>
+                <a:cs typeface="Times New Roman" pitchFamily="18" charset="0"/>
+              </a:rPr>
+              <a:t>pemasaran</a:t>
+            </a:r>
+            <a:r>
+              <a:rPr lang="en-SG" dirty="0">
+                <a:latin typeface="Times New Roman" pitchFamily="18" charset="0"/>
+                <a:cs typeface="Times New Roman" pitchFamily="18" charset="0"/>
+              </a:rPr>
+              <a:t> </a:t>
+            </a:r>
+            <a:r>
+              <a:rPr lang="en-SG" dirty="0" smtClean="0">
+                <a:latin typeface="Times New Roman" pitchFamily="18" charset="0"/>
+                <a:cs typeface="Times New Roman" pitchFamily="18" charset="0"/>
+              </a:rPr>
+              <a:t> </a:t>
+            </a:r>
+            <a:r>
+              <a:rPr lang="en-SG" dirty="0" err="1" smtClean="0">
+                <a:latin typeface="Times New Roman" pitchFamily="18" charset="0"/>
+                <a:cs typeface="Times New Roman" pitchFamily="18" charset="0"/>
+              </a:rPr>
+              <a:t>produk</a:t>
+            </a:r>
+            <a:r>
+              <a:rPr lang="en-SG" dirty="0" smtClean="0">
+                <a:latin typeface="Times New Roman" pitchFamily="18" charset="0"/>
+                <a:cs typeface="Times New Roman" pitchFamily="18" charset="0"/>
+              </a:rPr>
+              <a:t> </a:t>
+            </a:r>
+            <a:r>
+              <a:rPr lang="en-SG" dirty="0" err="1" smtClean="0">
+                <a:latin typeface="Times New Roman" pitchFamily="18" charset="0"/>
+                <a:cs typeface="Times New Roman" pitchFamily="18" charset="0"/>
+              </a:rPr>
+              <a:t>tersebut</a:t>
+            </a:r>
+            <a:r>
+              <a:rPr lang="en-SG" dirty="0" smtClean="0">
+                <a:latin typeface="Times New Roman" pitchFamily="18" charset="0"/>
+                <a:cs typeface="Times New Roman" pitchFamily="18" charset="0"/>
+              </a:rPr>
+              <a:t>.</a:t>
+            </a:r>
+          </a:p>
+          <a:p>
+            <a:r>
+              <a:rPr lang="en-SG" dirty="0" smtClean="0">
+                <a:latin typeface="Times New Roman" pitchFamily="18" charset="0"/>
+                <a:cs typeface="Times New Roman" pitchFamily="18" charset="0"/>
+              </a:rPr>
+              <a:t>Target </a:t>
+            </a:r>
+            <a:r>
+              <a:rPr lang="en-SG" dirty="0" err="1" smtClean="0">
+                <a:latin typeface="Times New Roman" pitchFamily="18" charset="0"/>
+                <a:cs typeface="Times New Roman" pitchFamily="18" charset="0"/>
+              </a:rPr>
+              <a:t>Pemasaran</a:t>
             </a:r>
             <a:endParaRPr lang="en-SG" dirty="0" smtClean="0">
               <a:latin typeface="Times New Roman" pitchFamily="18" charset="0"/>
@@ -3453,7 +4048,7 @@
                 <a:latin typeface="Times New Roman" pitchFamily="18" charset="0"/>
                 <a:cs typeface="Times New Roman" pitchFamily="18" charset="0"/>
               </a:rPr>
-              <a:t>Tujuan</a:t>
+              <a:t>Anak-anak</a:t>
             </a:r>
             <a:endParaRPr lang="en-SG" dirty="0" smtClean="0">
               <a:latin typeface="Times New Roman" pitchFamily="18" charset="0"/>
@@ -3467,21 +4062,7 @@
                 <a:latin typeface="Times New Roman" pitchFamily="18" charset="0"/>
                 <a:cs typeface="Times New Roman" pitchFamily="18" charset="0"/>
               </a:rPr>
-              <a:t>Peluang</a:t>
-            </a:r>
-            <a:r>
-              <a:rPr lang="en-SG" dirty="0" smtClean="0">
-                <a:latin typeface="Times New Roman" pitchFamily="18" charset="0"/>
-                <a:cs typeface="Times New Roman" pitchFamily="18" charset="0"/>
-              </a:rPr>
-              <a:t> </a:t>
-            </a:r>
-            <a:r>
-              <a:rPr lang="en-SG" dirty="0" err="1" smtClean="0">
-                <a:latin typeface="Times New Roman" pitchFamily="18" charset="0"/>
-                <a:cs typeface="Times New Roman" pitchFamily="18" charset="0"/>
-              </a:rPr>
-              <a:t>penyempurnaan</a:t>
+              <a:t>Remaja</a:t>
             </a:r>
             <a:endParaRPr lang="en-SG" dirty="0" smtClean="0">
               <a:latin typeface="Times New Roman" pitchFamily="18" charset="0"/>
@@ -3489,54 +4070,20 @@
             </a:endParaRPr>
           </a:p>
           <a:p>
+            <a:pPr lvl="1"/>
+            <a:r>
+              <a:rPr lang="en-SG" dirty="0" smtClean="0">
+                <a:latin typeface="Times New Roman" pitchFamily="18" charset="0"/>
+                <a:cs typeface="Times New Roman" pitchFamily="18" charset="0"/>
+              </a:rPr>
+              <a:t>Orang </a:t>
+            </a:r>
             <a:r>
               <a:rPr lang="en-SG" dirty="0" err="1" smtClean="0">
                 <a:latin typeface="Times New Roman" pitchFamily="18" charset="0"/>
                 <a:cs typeface="Times New Roman" pitchFamily="18" charset="0"/>
               </a:rPr>
-              <a:t>Ringkasan</a:t>
-            </a:r>
-            <a:r>
-              <a:rPr lang="en-SG" dirty="0" smtClean="0">
-                <a:latin typeface="Times New Roman" pitchFamily="18" charset="0"/>
-                <a:cs typeface="Times New Roman" pitchFamily="18" charset="0"/>
-              </a:rPr>
-              <a:t> html tag(s) </a:t>
-            </a:r>
-            <a:r>
-              <a:rPr lang="en-SG" dirty="0" err="1" smtClean="0">
-                <a:latin typeface="Times New Roman" pitchFamily="18" charset="0"/>
-                <a:cs typeface="Times New Roman" pitchFamily="18" charset="0"/>
-              </a:rPr>
-              <a:t>dan</a:t>
-            </a:r>
-            <a:r>
-              <a:rPr lang="en-SG" dirty="0" smtClean="0">
-                <a:latin typeface="Times New Roman" pitchFamily="18" charset="0"/>
-                <a:cs typeface="Times New Roman" pitchFamily="18" charset="0"/>
-              </a:rPr>
-              <a:t> </a:t>
-            </a:r>
-            <a:r>
-              <a:rPr lang="en-SG" dirty="0" err="1" smtClean="0">
-                <a:latin typeface="Times New Roman" pitchFamily="18" charset="0"/>
-                <a:cs typeface="Times New Roman" pitchFamily="18" charset="0"/>
-              </a:rPr>
-              <a:t>css</a:t>
-            </a:r>
-            <a:r>
-              <a:rPr lang="en-SG" dirty="0" smtClean="0">
-                <a:latin typeface="Times New Roman" pitchFamily="18" charset="0"/>
-                <a:cs typeface="Times New Roman" pitchFamily="18" charset="0"/>
-              </a:rPr>
-              <a:t> yang </a:t>
-            </a:r>
-            <a:r>
-              <a:rPr lang="en-SG" dirty="0" err="1" smtClean="0">
-                <a:latin typeface="Times New Roman" pitchFamily="18" charset="0"/>
-                <a:cs typeface="Times New Roman" pitchFamily="18" charset="0"/>
-              </a:rPr>
-              <a:t>digunakan</a:t>
+              <a:t>Dewasa</a:t>
             </a:r>
             <a:endParaRPr lang="en-SG" dirty="0" smtClean="0">
               <a:latin typeface="Times New Roman" pitchFamily="18" charset="0"/>
@@ -3544,28 +4091,9 @@
             </a:endParaRPr>
           </a:p>
           <a:p>
-            <a:r>
-              <a:rPr lang="en-SG" dirty="0" smtClean="0">
-                <a:latin typeface="Times New Roman" pitchFamily="18" charset="0"/>
-                <a:cs typeface="Times New Roman" pitchFamily="18" charset="0"/>
-              </a:rPr>
-              <a:t>Live demonstration</a:t>
-            </a:r>
-          </a:p>
-          <a:p>
-            <a:r>
-              <a:rPr lang="en-SG" dirty="0" err="1" smtClean="0">
-                <a:latin typeface="Times New Roman" pitchFamily="18" charset="0"/>
-                <a:cs typeface="Times New Roman" pitchFamily="18" charset="0"/>
-              </a:rPr>
-              <a:t>Penutup</a:t>
-            </a:r>
-            <a:endParaRPr lang="en-SG" dirty="0" smtClean="0">
-              <a:latin typeface="Times New Roman" pitchFamily="18" charset="0"/>
-              <a:cs typeface="Times New Roman" pitchFamily="18" charset="0"/>
-            </a:endParaRPr>
-          </a:p>
-          <a:p>
+            <a:pPr marL="0" indent="0">
+              <a:buNone/>
+            </a:pPr>
             <a:endParaRPr lang="en-SG" dirty="0">
               <a:latin typeface="Century Gothic" panose="020B0502020202020204" pitchFamily="34" charset="0"/>
             </a:endParaRPr>
@@ -3579,20 +4107,16 @@
       </p:sp>
       <p:pic>
         <p:nvPicPr>
-          <p:cNvPr id="6" name="Picture 2"/>
+          <p:cNvPr id="6" name="Picture 2" descr="Berkas:Badan Ekonomi Kratif Indonesia.jpg">
+            <a:hlinkClick r:id="rId2"/>
+          </p:cNvPr>
           <p:cNvPicPr>
             <a:picLocks noChangeAspect="1" noChangeArrowheads="1"/>
           </p:cNvPicPr>
           <p:nvPr/>
         </p:nvPicPr>
         <p:blipFill>
-          <a:blip r:embed="rId2" cstate="print">
-            <a:extLst>
-              <a:ext uri="{28A0092B-C50C-407E-A947-70E740481C1C}">
-                <a14:useLocalDpi xmlns:a14="http://schemas.microsoft.com/office/drawing/2010/main" val="0"/>
-              </a:ext>
-            </a:extLst>
-          </a:blip>
+          <a:blip r:embed="rId3"/>
           <a:srcRect/>
           <a:stretch>
             <a:fillRect/>
@@ -3600,35 +4124,13 @@
         </p:blipFill>
         <p:spPr bwMode="auto">
           <a:xfrm>
-            <a:off x="8172400" y="116632"/>
-            <a:ext cx="871108" cy="970663"/>
+            <a:off x="7425244" y="22847"/>
+            <a:ext cx="1676400" cy="1676400"/>
           </a:xfrm>
           <a:prstGeom prst="rect">
             <a:avLst/>
           </a:prstGeom>
           <a:noFill/>
-          <a:ln>
-            <a:noFill/>
-          </a:ln>
-          <a:extLst>
-            <a:ext uri="{909E8E84-426E-40DD-AFC4-6F175D3DCCD1}">
-              <a14:hiddenFill xmlns:a14="http://schemas.microsoft.com/office/drawing/2010/main">
-                <a:solidFill>
-                  <a:schemeClr val="accent1"/>
-                </a:solidFill>
-              </a14:hiddenFill>
-            </a:ext>
-            <a:ext uri="{91240B29-F687-4F45-9708-019B960494DF}">
-              <a14:hiddenLine xmlns:a14="http://schemas.microsoft.com/office/drawing/2010/main" w="9525">
-                <a:solidFill>
-                  <a:schemeClr val="tx1"/>
-                </a:solidFill>
-                <a:miter lim="800000"/>
-                <a:headEnd/>
-                <a:tailEnd/>
-              </a14:hiddenLine>
-            </a:ext>
-          </a:extLst>
         </p:spPr>
       </p:pic>
     </p:spTree>
@@ -3692,39 +4194,26 @@
                                   </p:childTnLst>
                                 </p:cTn>
                               </p:par>
+                            </p:childTnLst>
+                          </p:cTn>
+                        </p:par>
+                      </p:childTnLst>
+                    </p:cTn>
+                  </p:par>
+                  <p:par>
+                    <p:cTn id="7" fill="hold">
+                      <p:stCondLst>
+                        <p:cond delay="indefinite"/>
+                      </p:stCondLst>
+                      <p:childTnLst>
+                        <p:par>
+                          <p:cTn id="8" fill="hold">
+                            <p:stCondLst>
+                              <p:cond delay="0"/>
+                            </p:stCondLst>
+                            <p:childTnLst>
                               <p:par>
-                                <p:cTn id="7" presetID="1" presetClass="entr" presetSubtype="0" fill="hold" grpId="0" nodeType="withEffect">
-                                  <p:stCondLst>
-                                    <p:cond delay="0"/>
-                                  </p:stCondLst>
-                                  <p:childTnLst>
-                                    <p:set>
-                                      <p:cBhvr>
-                                        <p:cTn id="8" dur="1" fill="hold">
-                                          <p:stCondLst>
-                                            <p:cond delay="0"/>
-                                          </p:stCondLst>
-                                        </p:cTn>
-                                        <p:tgtEl>
-                                          <p:spTgt spid="3">
-                                            <p:txEl>
-                                              <p:pRg st="1" end="1"/>
-                                            </p:txEl>
-                                          </p:spTgt>
-                                        </p:tgtEl>
-                                        <p:attrNameLst>
-                                          <p:attrName>style.visibility</p:attrName>
-                                        </p:attrNameLst>
-                                      </p:cBhvr>
-                                      <p:to>
-                                        <p:strVal val="visible"/>
-                                      </p:to>
-                                    </p:set>
-                                  </p:childTnLst>
-                                </p:cTn>
-                              </p:par>
-                              <p:par>
-                                <p:cTn id="9" presetID="1" presetClass="entr" presetSubtype="0" fill="hold" grpId="0" nodeType="withEffect">
+                                <p:cTn id="9" presetID="1" presetClass="entr" presetSubtype="0" fill="hold" grpId="0" nodeType="clickEffect">
                                   <p:stCondLst>
                                     <p:cond delay="0"/>
                                   </p:stCondLst>
@@ -3739,7 +4228,7 @@
                                         <p:tgtEl>
                                           <p:spTgt spid="3">
                                             <p:txEl>
-                                              <p:pRg st="2" end="2"/>
+                                              <p:pRg st="1" end="1"/>
                                             </p:txEl>
                                           </p:spTgt>
                                         </p:tgtEl>
@@ -3770,6 +4259,37 @@
                                         <p:tgtEl>
                                           <p:spTgt spid="3">
                                             <p:txEl>
+                                              <p:pRg st="2" end="2"/>
+                                            </p:txEl>
+                                          </p:spTgt>
+                                        </p:tgtEl>
+                                        <p:attrNameLst>
+                                          <p:attrName>style.visibility</p:attrName>
+                                        </p:attrNameLst>
+                                      </p:cBhvr>
+                                      <p:to>
+                                        <p:strVal val="visible"/>
+                                      </p:to>
+                                    </p:set>
+                                  </p:childTnLst>
+                                </p:cTn>
+                              </p:par>
+                              <p:par>
+                                <p:cTn id="13" presetID="1" presetClass="entr" presetSubtype="0" fill="hold" grpId="0" nodeType="withEffect">
+                                  <p:stCondLst>
+                                    <p:cond delay="0"/>
+                                  </p:stCondLst>
+                                  <p:childTnLst>
+                                    <p:set>
+                                      <p:cBhvr>
+                                        <p:cTn id="14" dur="1" fill="hold">
+                                          <p:stCondLst>
+                                            <p:cond delay="0"/>
+                                          </p:stCondLst>
+                                        </p:cTn>
+                                        <p:tgtEl>
+                                          <p:spTgt spid="3">
+                                            <p:txEl>
                                               <p:pRg st="3" end="3"/>
                                             </p:txEl>
                                           </p:spTgt>
@@ -3785,26 +4305,8 @@
                                   </p:childTnLst>
                                 </p:cTn>
                               </p:par>
-                            </p:childTnLst>
-                          </p:cTn>
-                        </p:par>
-                      </p:childTnLst>
-                    </p:cTn>
-                  </p:par>
-                  <p:par>
-                    <p:cTn id="13" fill="hold">
-                      <p:stCondLst>
-                        <p:cond delay="indefinite"/>
-                      </p:stCondLst>
-                      <p:childTnLst>
-                        <p:par>
-                          <p:cTn id="14" fill="hold">
-                            <p:stCondLst>
-                              <p:cond delay="0"/>
-                            </p:stCondLst>
-                            <p:childTnLst>
                               <p:par>
-                                <p:cTn id="15" presetID="1" presetClass="entr" presetSubtype="0" fill="hold" grpId="0" nodeType="clickEffect">
+                                <p:cTn id="15" presetID="1" presetClass="entr" presetSubtype="0" fill="hold" grpId="0" nodeType="withEffect">
                                   <p:stCondLst>
                                     <p:cond delay="0"/>
                                   </p:stCondLst>
@@ -3820,104 +4322,6 @@
                                           <p:spTgt spid="3">
                                             <p:txEl>
                                               <p:pRg st="4" end="4"/>
-                                            </p:txEl>
-                                          </p:spTgt>
-                                        </p:tgtEl>
-                                        <p:attrNameLst>
-                                          <p:attrName>style.visibility</p:attrName>
-                                        </p:attrNameLst>
-                                      </p:cBhvr>
-                                      <p:to>
-                                        <p:strVal val="visible"/>
-                                      </p:to>
-                                    </p:set>
-                                  </p:childTnLst>
-                                </p:cTn>
-                              </p:par>
-                            </p:childTnLst>
-                          </p:cTn>
-                        </p:par>
-                      </p:childTnLst>
-                    </p:cTn>
-                  </p:par>
-                  <p:par>
-                    <p:cTn id="17" fill="hold">
-                      <p:stCondLst>
-                        <p:cond delay="indefinite"/>
-                      </p:stCondLst>
-                      <p:childTnLst>
-                        <p:par>
-                          <p:cTn id="18" fill="hold">
-                            <p:stCondLst>
-                              <p:cond delay="0"/>
-                            </p:stCondLst>
-                            <p:childTnLst>
-                              <p:par>
-                                <p:cTn id="19" presetID="1" presetClass="entr" presetSubtype="0" fill="hold" grpId="0" nodeType="clickEffect">
-                                  <p:stCondLst>
-                                    <p:cond delay="0"/>
-                                  </p:stCondLst>
-                                  <p:childTnLst>
-                                    <p:set>
-                                      <p:cBhvr>
-                                        <p:cTn id="20" dur="1" fill="hold">
-                                          <p:stCondLst>
-                                            <p:cond delay="0"/>
-                                          </p:stCondLst>
-                                        </p:cTn>
-                                        <p:tgtEl>
-                                          <p:spTgt spid="3">
-                                            <p:txEl>
-                                              <p:pRg st="5" end="5"/>
-                                            </p:txEl>
-                                          </p:spTgt>
-                                        </p:tgtEl>
-                                        <p:attrNameLst>
-                                          <p:attrName>style.visibility</p:attrName>
-                                        </p:attrNameLst>
-                                      </p:cBhvr>
-                                      <p:to>
-                                        <p:strVal val="visible"/>
-                                      </p:to>
-                                    </p:set>
-                                  </p:childTnLst>
-                                </p:cTn>
-                              </p:par>
-                            </p:childTnLst>
-                          </p:cTn>
-                        </p:par>
-                      </p:childTnLst>
-                    </p:cTn>
-                  </p:par>
-                  <p:par>
-                    <p:cTn id="21" fill="hold">
-                      <p:stCondLst>
-                        <p:cond delay="indefinite"/>
-                      </p:stCondLst>
-                      <p:childTnLst>
-                        <p:par>
-                          <p:cTn id="22" fill="hold">
-                            <p:stCondLst>
-                              <p:cond delay="0"/>
-                            </p:stCondLst>
-                            <p:childTnLst>
-                              <p:par>
-                                <p:cTn id="23" presetID="1" presetClass="entr" presetSubtype="0" fill="hold" grpId="0" nodeType="clickEffect">
-                                  <p:stCondLst>
-                                    <p:cond delay="0"/>
-                                  </p:stCondLst>
-                                  <p:childTnLst>
-                                    <p:set>
-                                      <p:cBhvr>
-                                        <p:cTn id="24" dur="1" fill="hold">
-                                          <p:stCondLst>
-                                            <p:cond delay="0"/>
-                                          </p:stCondLst>
-                                        </p:cTn>
-                                        <p:tgtEl>
-                                          <p:spTgt spid="3">
-                                            <p:txEl>
-                                              <p:pRg st="6" end="6"/>
                                             </p:txEl>
                                           </p:spTgt>
                                         </p:tgtEl>
@@ -3993,51 +4397,369 @@
             <p:ph type="title"/>
           </p:nvPr>
         </p:nvSpPr>
+        <p:spPr>
+          <a:xfrm>
+            <a:off x="1187624" y="229208"/>
+            <a:ext cx="5842992" cy="1143000"/>
+          </a:xfrm>
+        </p:spPr>
+        <p:txBody>
+          <a:bodyPr>
+            <a:normAutofit fontScale="90000"/>
+          </a:bodyPr>
+          <a:lstStyle/>
+          <a:p>
+            <a:r>
+              <a:rPr lang="en-SG" b="1" dirty="0" err="1" smtClean="0"/>
+              <a:t>Manfaat</a:t>
+            </a:r>
+            <a:r>
+              <a:rPr lang="en-SG" b="1" dirty="0" smtClean="0"/>
+              <a:t> </a:t>
+            </a:r>
+            <a:r>
+              <a:rPr lang="en-SG" b="1" dirty="0" err="1"/>
+              <a:t>B</a:t>
+            </a:r>
+            <a:r>
+              <a:rPr lang="en-SG" b="1" dirty="0" err="1" smtClean="0"/>
+              <a:t>elajar</a:t>
+            </a:r>
+            <a:r>
+              <a:rPr lang="en-SG" b="1" dirty="0" smtClean="0"/>
+              <a:t> </a:t>
+            </a:r>
+            <a:br>
+              <a:rPr lang="en-SG" b="1" dirty="0" smtClean="0"/>
+            </a:br>
+            <a:r>
+              <a:rPr lang="en-SG" b="1" dirty="0" err="1" smtClean="0"/>
+              <a:t>CodingMum</a:t>
+            </a:r>
+            <a:endParaRPr lang="en-SG" b="1" dirty="0"/>
+          </a:p>
+        </p:txBody>
+      </p:sp>
+      <p:sp>
+        <p:nvSpPr>
+          <p:cNvPr id="3" name="Content Placeholder 2"/>
+          <p:cNvSpPr>
+            <a:spLocks noGrp="1"/>
+          </p:cNvSpPr>
+          <p:nvPr>
+            <p:ph idx="1"/>
+          </p:nvPr>
+        </p:nvSpPr>
         <p:spPr/>
         <p:txBody>
           <a:bodyPr/>
           <a:lstStyle/>
           <a:p>
             <a:r>
-              <a:rPr lang="en-US" dirty="0" err="1" smtClean="0"/>
-              <a:t>Latar</a:t>
-            </a:r>
-            <a:r>
-              <a:rPr lang="en-US" dirty="0" smtClean="0"/>
+              <a:rPr lang="en-SG" dirty="0" err="1" smtClean="0"/>
+              <a:t>Tujuan</a:t>
+            </a:r>
+            <a:r>
+              <a:rPr lang="en-SG" dirty="0" smtClean="0"/>
               <a:t> </a:t>
             </a:r>
             <a:r>
-              <a:rPr lang="en-US" dirty="0" err="1" smtClean="0"/>
-              <a:t>Belakang</a:t>
-            </a:r>
+              <a:rPr lang="en-SG" dirty="0" err="1" smtClean="0"/>
+              <a:t>saya</a:t>
+            </a:r>
+            <a:r>
+              <a:rPr lang="en-SG" dirty="0" smtClean="0"/>
+              <a:t> </a:t>
+            </a:r>
+            <a:r>
+              <a:rPr lang="en-SG" dirty="0" err="1" smtClean="0"/>
+              <a:t>membuat</a:t>
+            </a:r>
+            <a:r>
+              <a:rPr lang="en-SG" dirty="0" smtClean="0"/>
+              <a:t> website </a:t>
+            </a:r>
+            <a:r>
+              <a:rPr lang="en-SG" dirty="0" err="1" smtClean="0"/>
+              <a:t>ini</a:t>
+            </a:r>
+            <a:r>
+              <a:rPr lang="en-SG" dirty="0" smtClean="0"/>
+              <a:t> </a:t>
+            </a:r>
+            <a:r>
+              <a:rPr lang="en-SG" dirty="0" err="1" smtClean="0"/>
+              <a:t>adalah</a:t>
+            </a:r>
+            <a:r>
+              <a:rPr lang="en-SG" dirty="0" smtClean="0"/>
+              <a:t>:</a:t>
+            </a:r>
+          </a:p>
+          <a:p>
+            <a:pPr marL="0" indent="0">
+              <a:buNone/>
+            </a:pPr>
+            <a:r>
+              <a:rPr lang="en-SG" dirty="0" smtClean="0"/>
+              <a:t> </a:t>
+            </a:r>
+            <a:r>
+              <a:rPr lang="en-SG" dirty="0" err="1" smtClean="0"/>
+              <a:t>Untuk</a:t>
+            </a:r>
+            <a:r>
+              <a:rPr lang="en-SG" dirty="0" smtClean="0"/>
+              <a:t> </a:t>
+            </a:r>
+            <a:r>
+              <a:rPr lang="en-SG" dirty="0" err="1" smtClean="0"/>
+              <a:t>jualan</a:t>
+            </a:r>
+            <a:r>
+              <a:rPr lang="en-SG" dirty="0" smtClean="0"/>
+              <a:t> (</a:t>
+            </a:r>
+            <a:r>
+              <a:rPr lang="en-SG" dirty="0" err="1" smtClean="0"/>
+              <a:t>toko</a:t>
+            </a:r>
+            <a:r>
+              <a:rPr lang="en-SG" dirty="0" smtClean="0"/>
+              <a:t> online).</a:t>
+            </a:r>
+          </a:p>
+          <a:p>
+            <a:pPr marL="0" indent="0">
+              <a:buNone/>
+            </a:pPr>
+            <a:r>
+              <a:rPr lang="en-SG" dirty="0"/>
+              <a:t> </a:t>
+            </a:r>
+            <a:r>
+              <a:rPr lang="en-SG" dirty="0" err="1" smtClean="0"/>
+              <a:t>Manfaat</a:t>
+            </a:r>
+            <a:r>
+              <a:rPr lang="en-SG" dirty="0" smtClean="0"/>
+              <a:t> </a:t>
+            </a:r>
+            <a:r>
+              <a:rPr lang="en-SG" dirty="0" err="1" smtClean="0"/>
+              <a:t>belajar</a:t>
+            </a:r>
+            <a:r>
+              <a:rPr lang="en-SG" dirty="0" smtClean="0"/>
+              <a:t> Coding </a:t>
+            </a:r>
+            <a:r>
+              <a:rPr lang="en-SG" dirty="0" err="1" smtClean="0"/>
+              <a:t>diantaranya</a:t>
+            </a:r>
+            <a:r>
+              <a:rPr lang="en-SG" dirty="0" smtClean="0"/>
+              <a:t>:</a:t>
+            </a:r>
+          </a:p>
+          <a:p>
+            <a:pPr marL="0" indent="0">
+              <a:buNone/>
+            </a:pPr>
+            <a:r>
+              <a:rPr lang="en-SG" dirty="0" smtClean="0"/>
+              <a:t>- </a:t>
+            </a:r>
+            <a:r>
+              <a:rPr lang="en-SG" dirty="0" err="1" smtClean="0"/>
+              <a:t>Mengenalkan</a:t>
+            </a:r>
+            <a:r>
+              <a:rPr lang="en-SG" dirty="0" smtClean="0"/>
+              <a:t> </a:t>
+            </a:r>
+            <a:r>
+              <a:rPr lang="en-SG" dirty="0" err="1" smtClean="0"/>
+              <a:t>instansi</a:t>
+            </a:r>
+            <a:r>
+              <a:rPr lang="en-SG" dirty="0" smtClean="0"/>
+              <a:t> </a:t>
+            </a:r>
+            <a:r>
+              <a:rPr lang="en-SG" dirty="0" err="1" smtClean="0"/>
+              <a:t>ke</a:t>
+            </a:r>
+            <a:r>
+              <a:rPr lang="en-SG" dirty="0" smtClean="0"/>
+              <a:t> </a:t>
+            </a:r>
+            <a:r>
+              <a:rPr lang="en-SG" dirty="0" err="1" smtClean="0"/>
+              <a:t>publik</a:t>
+            </a:r>
+            <a:r>
+              <a:rPr lang="en-SG" dirty="0" smtClean="0"/>
+              <a:t>.</a:t>
+            </a:r>
+          </a:p>
+          <a:p>
+            <a:pPr>
+              <a:buFontTx/>
+              <a:buChar char="-"/>
+            </a:pPr>
+            <a:r>
+              <a:rPr lang="en-SG" dirty="0" err="1" smtClean="0"/>
+              <a:t>Memperluas</a:t>
+            </a:r>
+            <a:r>
+              <a:rPr lang="en-SG" dirty="0" smtClean="0"/>
+              <a:t> </a:t>
+            </a:r>
+            <a:r>
+              <a:rPr lang="en-SG" dirty="0" err="1" smtClean="0"/>
+              <a:t>pemasaran</a:t>
+            </a:r>
+            <a:r>
+              <a:rPr lang="en-SG" dirty="0" smtClean="0"/>
+              <a:t>.</a:t>
+            </a:r>
+          </a:p>
+          <a:p>
+            <a:pPr>
+              <a:buFontTx/>
+              <a:buChar char="-"/>
+            </a:pPr>
+            <a:r>
+              <a:rPr lang="en-SG" dirty="0" err="1" smtClean="0"/>
+              <a:t>Memudahkan</a:t>
+            </a:r>
+            <a:r>
+              <a:rPr lang="en-SG" dirty="0" smtClean="0"/>
+              <a:t> </a:t>
+            </a:r>
+            <a:r>
+              <a:rPr lang="en-SG" dirty="0" err="1" smtClean="0"/>
+              <a:t>dalam</a:t>
+            </a:r>
+            <a:r>
+              <a:rPr lang="en-SG" dirty="0" smtClean="0"/>
+              <a:t> </a:t>
+            </a:r>
+            <a:r>
+              <a:rPr lang="en-SG" dirty="0" err="1" smtClean="0"/>
+              <a:t>menyebarkan</a:t>
+            </a:r>
+            <a:r>
+              <a:rPr lang="en-SG" dirty="0" smtClean="0"/>
+              <a:t> </a:t>
+            </a:r>
+            <a:r>
+              <a:rPr lang="en-SG" dirty="0" err="1" smtClean="0"/>
+              <a:t>informasi</a:t>
+            </a:r>
+            <a:r>
+              <a:rPr lang="en-SG" dirty="0" smtClean="0"/>
+              <a:t>.</a:t>
+            </a:r>
+          </a:p>
+          <a:p>
+            <a:pPr>
+              <a:buFontTx/>
+              <a:buChar char="-"/>
+            </a:pPr>
+            <a:r>
+              <a:rPr lang="en-SG" dirty="0" err="1" smtClean="0"/>
+              <a:t>Mendatangkan</a:t>
+            </a:r>
+            <a:r>
+              <a:rPr lang="en-SG" dirty="0" smtClean="0"/>
+              <a:t> </a:t>
+            </a:r>
+            <a:r>
+              <a:rPr lang="en-SG" dirty="0" err="1" smtClean="0"/>
+              <a:t>calon</a:t>
+            </a:r>
+            <a:r>
+              <a:rPr lang="en-SG" dirty="0" smtClean="0"/>
+              <a:t> </a:t>
+            </a:r>
+            <a:r>
+              <a:rPr lang="en-SG" dirty="0" err="1" smtClean="0"/>
+              <a:t>konsumen</a:t>
+            </a:r>
+            <a:r>
+              <a:rPr lang="en-SG" dirty="0" smtClean="0"/>
+              <a:t>.</a:t>
+            </a:r>
+          </a:p>
+          <a:p>
+            <a:pPr>
+              <a:buFontTx/>
+              <a:buChar char="-"/>
+            </a:pPr>
+            <a:endParaRPr lang="en-SG" dirty="0" smtClean="0"/>
+          </a:p>
+          <a:p>
+            <a:pPr marL="0" indent="0">
+              <a:buNone/>
+            </a:pPr>
+            <a:endParaRPr lang="en-SG" dirty="0" smtClean="0"/>
+          </a:p>
+          <a:p>
+            <a:pPr marL="0" indent="0">
+              <a:buNone/>
+            </a:pPr>
+            <a:endParaRPr lang="en-SG" dirty="0" smtClean="0"/>
+          </a:p>
+          <a:p>
+            <a:pPr marL="0" indent="0">
+              <a:buNone/>
+            </a:pPr>
             <a:endParaRPr lang="en-SG" dirty="0"/>
           </a:p>
         </p:txBody>
       </p:sp>
-      <p:sp>
-        <p:nvSpPr>
-          <p:cNvPr id="3" name="Content Placeholder 2"/>
-          <p:cNvSpPr>
-            <a:spLocks noGrp="1"/>
-          </p:cNvSpPr>
-          <p:nvPr>
-            <p:ph idx="1"/>
-          </p:nvPr>
-        </p:nvSpPr>
-        <p:spPr/>
-        <p:txBody>
-          <a:bodyPr/>
-          <a:lstStyle/>
-          <a:p>
-            <a:endParaRPr lang="en-SG" dirty="0"/>
-          </a:p>
-        </p:txBody>
-      </p:sp>
+      <p:pic>
+        <p:nvPicPr>
+          <p:cNvPr id="5" name="Picture 2" descr="Berkas:Badan Ekonomi Kratif Indonesia.jpg">
+            <a:hlinkClick r:id="rId2"/>
+          </p:cNvPr>
+          <p:cNvPicPr>
+            <a:picLocks noChangeAspect="1" noChangeArrowheads="1"/>
+          </p:cNvPicPr>
+          <p:nvPr/>
+        </p:nvPicPr>
+        <p:blipFill>
+          <a:blip r:embed="rId3"/>
+          <a:srcRect/>
+          <a:stretch>
+            <a:fillRect/>
+          </a:stretch>
+        </p:blipFill>
+        <p:spPr bwMode="auto">
+          <a:xfrm>
+            <a:off x="7425244" y="22847"/>
+            <a:ext cx="1676400" cy="1676400"/>
+          </a:xfrm>
+          <a:prstGeom prst="rect">
+            <a:avLst/>
+          </a:prstGeom>
+          <a:noFill/>
+        </p:spPr>
+      </p:pic>
     </p:spTree>
   </p:cSld>
   <p:clrMapOvr>
     <a:masterClrMapping/>
   </p:clrMapOvr>
+  <p:timing>
+    <p:tnLst>
+      <p:par>
+        <p:cTn id="1" dur="indefinite" restart="never" nodeType="tmRoot"/>
+      </p:par>
+    </p:tnLst>
+  </p:timing>
 </p:sld>
 </file>
 
@@ -4068,43 +4790,346 @@
             <p:ph type="title"/>
           </p:nvPr>
         </p:nvSpPr>
-        <p:spPr/>
+        <p:spPr>
+          <a:xfrm>
+            <a:off x="457200" y="274638"/>
+            <a:ext cx="7067128" cy="1143000"/>
+          </a:xfrm>
+        </p:spPr>
         <p:txBody>
           <a:bodyPr/>
           <a:lstStyle/>
           <a:p>
             <a:r>
+              <a:rPr lang="en-SG" dirty="0" err="1" smtClean="0"/>
+              <a:t>Ringkasan</a:t>
+            </a:r>
+            <a:r>
+              <a:rPr lang="en-SG" dirty="0" smtClean="0"/>
+              <a:t> HTML &amp; CSS</a:t>
+            </a:r>
+            <a:endParaRPr lang="en-SG" dirty="0"/>
+          </a:p>
+        </p:txBody>
+      </p:sp>
+      <p:sp>
+        <p:nvSpPr>
+          <p:cNvPr id="3" name="Content Placeholder 2"/>
+          <p:cNvSpPr>
+            <a:spLocks noGrp="1"/>
+          </p:cNvSpPr>
+          <p:nvPr>
+            <p:ph idx="1"/>
+          </p:nvPr>
+        </p:nvSpPr>
+        <p:spPr>
+          <a:xfrm>
+            <a:off x="457200" y="1600200"/>
+            <a:ext cx="3610744" cy="4525963"/>
+          </a:xfrm>
+        </p:spPr>
+        <p:txBody>
+          <a:bodyPr>
+            <a:normAutofit lnSpcReduction="10000"/>
+          </a:bodyPr>
+          <a:lstStyle/>
+          <a:p>
+            <a:pPr>
+              <a:buNone/>
+            </a:pPr>
+            <a:r>
+              <a:rPr lang="en-US" dirty="0"/>
+              <a:t>HTML</a:t>
+            </a:r>
+          </a:p>
+          <a:p>
+            <a:pPr marL="457200" indent="-457200">
+              <a:buAutoNum type="arabicPeriod"/>
+            </a:pPr>
+            <a:r>
+              <a:rPr lang="en-US" dirty="0"/>
+              <a:t>&lt;table&gt;&lt;</a:t>
+            </a:r>
+            <a:r>
+              <a:rPr lang="en-US" dirty="0" err="1"/>
+              <a:t>tr</a:t>
+            </a:r>
+            <a:r>
+              <a:rPr lang="en-US" dirty="0"/>
+              <a:t>&gt;&lt;td&gt;</a:t>
+            </a:r>
+          </a:p>
+          <a:p>
+            <a:pPr marL="457200" indent="-457200">
+              <a:buAutoNum type="arabicPeriod"/>
+            </a:pPr>
+            <a:r>
+              <a:rPr lang="en-US" dirty="0"/>
+              <a:t>&lt;a </a:t>
+            </a:r>
+            <a:r>
+              <a:rPr lang="en-US" dirty="0" err="1"/>
+              <a:t>href</a:t>
+            </a:r>
+            <a:r>
+              <a:rPr lang="en-US" dirty="0"/>
+              <a:t>=“ </a:t>
+            </a:r>
+            <a:r>
+              <a:rPr lang="en-US" dirty="0" smtClean="0"/>
+              <a:t>“&gt;</a:t>
+            </a:r>
+            <a:endParaRPr lang="en-US" dirty="0"/>
+          </a:p>
+          <a:p>
+            <a:pPr marL="457200" indent="-457200">
+              <a:buAutoNum type="arabicPeriod"/>
+            </a:pPr>
+            <a:r>
+              <a:rPr lang="en-US" dirty="0"/>
+              <a:t>&lt;</a:t>
+            </a:r>
+            <a:r>
+              <a:rPr lang="en-US" dirty="0" err="1"/>
+              <a:t>ol</a:t>
+            </a:r>
+            <a:r>
+              <a:rPr lang="en-US" dirty="0"/>
+              <a:t>&gt;&lt;li&gt;</a:t>
+            </a:r>
+          </a:p>
+          <a:p>
+            <a:pPr marL="457200" indent="-457200">
+              <a:buAutoNum type="arabicPeriod"/>
+            </a:pPr>
+            <a:r>
+              <a:rPr lang="en-US" dirty="0"/>
+              <a:t>&lt;div class=“ “&gt;</a:t>
+            </a:r>
+          </a:p>
+          <a:p>
+            <a:pPr marL="457200" indent="-457200">
+              <a:buAutoNum type="arabicPeriod"/>
+            </a:pPr>
+            <a:r>
+              <a:rPr lang="en-US" dirty="0"/>
+              <a:t>&lt;div id=“ </a:t>
+            </a:r>
+            <a:r>
+              <a:rPr lang="en-US" dirty="0" smtClean="0"/>
+              <a:t>“&gt;</a:t>
+            </a:r>
+            <a:endParaRPr lang="en-US" dirty="0"/>
+          </a:p>
+          <a:p>
+            <a:pPr marL="457200" indent="-457200">
+              <a:buFont typeface="Wingdings"/>
+              <a:buAutoNum type="arabicPeriod"/>
+            </a:pPr>
+            <a:r>
+              <a:rPr lang="en-US" dirty="0"/>
+              <a:t>&lt;</a:t>
+            </a:r>
+            <a:r>
+              <a:rPr lang="en-US" dirty="0" err="1"/>
+              <a:t>img</a:t>
+            </a:r>
+            <a:r>
+              <a:rPr lang="en-US" dirty="0"/>
+              <a:t> </a:t>
+            </a:r>
+            <a:r>
+              <a:rPr lang="en-US" dirty="0" err="1"/>
+              <a:t>src</a:t>
+            </a:r>
+            <a:r>
+              <a:rPr lang="en-US" dirty="0"/>
+              <a:t>=“ </a:t>
+            </a:r>
+            <a:r>
+              <a:rPr lang="en-US" dirty="0" smtClean="0"/>
+              <a:t>”&gt;</a:t>
+            </a:r>
+          </a:p>
+          <a:p>
+            <a:pPr marL="457200" indent="-457200">
+              <a:buFont typeface="Wingdings"/>
+              <a:buAutoNum type="arabicPeriod"/>
+            </a:pPr>
+            <a:r>
+              <a:rPr lang="en-US" dirty="0" smtClean="0"/>
+              <a:t>&lt;</a:t>
+            </a:r>
+            <a:r>
               <a:rPr lang="en-US" dirty="0" err="1" smtClean="0"/>
-              <a:t>Tujuan</a:t>
-            </a:r>
+              <a:t>br</a:t>
+            </a:r>
+            <a:r>
+              <a:rPr lang="en-US" dirty="0" smtClean="0"/>
+              <a:t>&gt;&lt;b&gt;&lt;i&gt;</a:t>
+            </a:r>
+            <a:endParaRPr lang="en-US" dirty="0"/>
+          </a:p>
+          <a:p>
+            <a:pPr marL="457200" indent="-457200">
+              <a:buAutoNum type="arabicPeriod"/>
+            </a:pPr>
+            <a:endParaRPr lang="en-US" dirty="0"/>
+          </a:p>
+          <a:p>
             <a:endParaRPr lang="en-SG" dirty="0"/>
           </a:p>
         </p:txBody>
       </p:sp>
       <p:sp>
         <p:nvSpPr>
-          <p:cNvPr id="3" name="Content Placeholder 2"/>
-          <p:cNvSpPr>
-            <a:spLocks noGrp="1"/>
-          </p:cNvSpPr>
-          <p:nvPr>
-            <p:ph idx="1"/>
-          </p:nvPr>
-        </p:nvSpPr>
-        <p:spPr/>
-        <p:txBody>
-          <a:bodyPr/>
+          <p:cNvPr id="5" name="Rectangle 4"/>
+          <p:cNvSpPr/>
+          <p:nvPr/>
+        </p:nvSpPr>
+        <p:spPr>
+          <a:xfrm>
+            <a:off x="4715943" y="1268760"/>
+            <a:ext cx="3096344" cy="3816429"/>
+          </a:xfrm>
+          <a:prstGeom prst="rect">
+            <a:avLst/>
+          </a:prstGeom>
+        </p:spPr>
+        <p:txBody>
+          <a:bodyPr wrap="square">
+            <a:spAutoFit/>
+          </a:bodyPr>
           <a:lstStyle/>
           <a:p>
-            <a:endParaRPr lang="en-SG"/>
-          </a:p>
-        </p:txBody>
-      </p:sp>
+            <a:pPr>
+              <a:buNone/>
+            </a:pPr>
+            <a:r>
+              <a:rPr lang="en-US" sz="3200" dirty="0"/>
+              <a:t>CSS</a:t>
+            </a:r>
+          </a:p>
+          <a:p>
+            <a:pPr marL="457200" indent="-457200">
+              <a:buAutoNum type="arabicPeriod"/>
+            </a:pPr>
+            <a:r>
+              <a:rPr lang="en-US" sz="3200" dirty="0" smtClean="0"/>
+              <a:t>table-header</a:t>
+            </a:r>
+            <a:endParaRPr lang="en-US" sz="3200" dirty="0"/>
+          </a:p>
+          <a:p>
+            <a:pPr marL="457200" indent="-457200">
+              <a:buAutoNum type="arabicPeriod"/>
+            </a:pPr>
+            <a:r>
+              <a:rPr lang="en-US" sz="3200" dirty="0" smtClean="0"/>
+              <a:t>#</a:t>
+            </a:r>
+            <a:r>
+              <a:rPr lang="en-US" sz="3200" dirty="0" err="1" smtClean="0"/>
+              <a:t>nav</a:t>
+            </a:r>
+            <a:r>
+              <a:rPr lang="en-US" sz="3200" dirty="0" smtClean="0"/>
+              <a:t>-header</a:t>
+            </a:r>
+            <a:endParaRPr lang="en-US" sz="3200" dirty="0"/>
+          </a:p>
+          <a:p>
+            <a:pPr marL="457200" indent="-457200">
+              <a:buAutoNum type="arabicPeriod"/>
+            </a:pPr>
+            <a:r>
+              <a:rPr lang="en-US" sz="3200" dirty="0"/>
+              <a:t>#</a:t>
+            </a:r>
+            <a:r>
+              <a:rPr lang="en-US" sz="3200" dirty="0" err="1"/>
+              <a:t>div.footer</a:t>
+            </a:r>
+            <a:endParaRPr lang="en-US" sz="3200" dirty="0"/>
+          </a:p>
+          <a:p>
+            <a:r>
+              <a:rPr lang="en-US" sz="3200" dirty="0"/>
+              <a:t>4</a:t>
+            </a:r>
+            <a:r>
+              <a:rPr lang="en-US" sz="3200" dirty="0" smtClean="0"/>
+              <a:t>. </a:t>
+            </a:r>
+            <a:r>
+              <a:rPr lang="en-US" sz="3200" smtClean="0"/>
+              <a:t>div-content-       title</a:t>
+            </a:r>
+            <a:endParaRPr lang="en-US" sz="3200" dirty="0"/>
+          </a:p>
+          <a:p>
+            <a:r>
+              <a:rPr lang="en-US" sz="3200" dirty="0" smtClean="0"/>
+              <a:t>5. </a:t>
+            </a:r>
+            <a:r>
+              <a:rPr lang="en-US" sz="3200" dirty="0" err="1" smtClean="0"/>
+              <a:t>img</a:t>
+            </a:r>
+            <a:r>
+              <a:rPr lang="en-US" sz="3200" dirty="0" smtClean="0"/>
+              <a:t>-content</a:t>
+            </a:r>
+            <a:endParaRPr lang="en-US" sz="3200" dirty="0"/>
+          </a:p>
+          <a:p>
+            <a:pPr marL="457200" indent="-457200">
+              <a:buNone/>
+            </a:pPr>
+            <a:endParaRPr lang="en-US" dirty="0"/>
+          </a:p>
+        </p:txBody>
+      </p:sp>
+      <p:pic>
+        <p:nvPicPr>
+          <p:cNvPr id="6" name="Picture 2" descr="Berkas:Badan Ekonomi Kratif Indonesia.jpg">
+            <a:hlinkClick r:id="rId2"/>
+          </p:cNvPr>
+          <p:cNvPicPr>
+            <a:picLocks noChangeAspect="1" noChangeArrowheads="1"/>
+          </p:cNvPicPr>
+          <p:nvPr/>
+        </p:nvPicPr>
+        <p:blipFill>
+          <a:blip r:embed="rId3"/>
+          <a:srcRect/>
+          <a:stretch>
+            <a:fillRect/>
+          </a:stretch>
+        </p:blipFill>
+        <p:spPr bwMode="auto">
+          <a:xfrm>
+            <a:off x="7425244" y="22847"/>
+            <a:ext cx="1676400" cy="1676400"/>
+          </a:xfrm>
+          <a:prstGeom prst="rect">
+            <a:avLst/>
+          </a:prstGeom>
+          <a:noFill/>
+        </p:spPr>
+      </p:pic>
     </p:spTree>
   </p:cSld>
   <p:clrMapOvr>
     <a:masterClrMapping/>
   </p:clrMapOvr>
+  <p:timing>
+    <p:tnLst>
+      <p:par>
+        <p:cTn id="1" dur="indefinite" restart="never" nodeType="tmRoot"/>
+      </p:par>
+    </p:tnLst>
+  </p:timing>
 </p:sld>
 </file>
 
@@ -4135,14 +5160,49 @@
             <p:ph type="title"/>
           </p:nvPr>
         </p:nvSpPr>
-        <p:spPr/>
-        <p:txBody>
-          <a:bodyPr/>
+        <p:spPr>
+          <a:xfrm>
+            <a:off x="1403648" y="229208"/>
+            <a:ext cx="5482952" cy="1143000"/>
+          </a:xfrm>
+        </p:spPr>
+        <p:txBody>
+          <a:bodyPr>
+            <a:normAutofit fontScale="90000"/>
+          </a:bodyPr>
           <a:lstStyle/>
           <a:p>
             <a:r>
-              <a:rPr lang="en-US" dirty="0" err="1" smtClean="0"/>
-              <a:t>Penyempurnaan</a:t>
+              <a:rPr lang="en-SG" dirty="0" err="1" smtClean="0"/>
+              <a:t>Saya</a:t>
+            </a:r>
+            <a:r>
+              <a:rPr lang="en-SG" dirty="0" smtClean="0"/>
+              <a:t> </a:t>
+            </a:r>
+            <a:r>
+              <a:rPr lang="en-SG" dirty="0" err="1" smtClean="0"/>
+              <a:t>Ucapkan</a:t>
+            </a:r>
+            <a:r>
+              <a:rPr lang="en-SG" dirty="0" smtClean="0"/>
+              <a:t> </a:t>
+            </a:r>
+            <a:r>
+              <a:rPr lang="en-SG" dirty="0" err="1" smtClean="0"/>
+              <a:t>Terimakasih</a:t>
+            </a:r>
+            <a:r>
+              <a:rPr lang="en-SG" dirty="0" smtClean="0"/>
+              <a:t> </a:t>
+            </a:r>
+            <a:r>
+              <a:rPr lang="en-SG" dirty="0" err="1" smtClean="0"/>
+              <a:t>kepada</a:t>
+            </a:r>
+            <a:r>
+              <a:rPr lang="en-SG" dirty="0" smtClean="0"/>
+              <a:t>:</a:t>
             </a:r>
             <a:endParaRPr lang="en-SG" dirty="0"/>
           </a:p>
@@ -4158,20 +5218,313 @@
             <p:ph idx="1"/>
           </p:nvPr>
         </p:nvSpPr>
-        <p:spPr/>
-        <p:txBody>
-          <a:bodyPr/>
+        <p:spPr>
+          <a:xfrm>
+            <a:off x="381000" y="1648726"/>
+            <a:ext cx="8229600" cy="4525963"/>
+          </a:xfrm>
+        </p:spPr>
+        <p:txBody>
+          <a:bodyPr>
+            <a:normAutofit lnSpcReduction="10000"/>
+          </a:bodyPr>
           <a:lstStyle/>
           <a:p>
-            <a:endParaRPr lang="en-SG"/>
-          </a:p>
-        </p:txBody>
-      </p:sp>
+            <a:pPr marL="0" indent="0">
+              <a:buNone/>
+            </a:pPr>
+            <a:endParaRPr lang="en-SG" dirty="0" smtClean="0"/>
+          </a:p>
+          <a:p>
+            <a:endParaRPr lang="en-SG" dirty="0" smtClean="0"/>
+          </a:p>
+          <a:p>
+            <a:endParaRPr lang="en-SG" dirty="0"/>
+          </a:p>
+          <a:p>
+            <a:pPr marL="0" indent="0">
+              <a:buNone/>
+            </a:pPr>
+            <a:endParaRPr lang="en-SG" dirty="0" smtClean="0"/>
+          </a:p>
+          <a:p>
+            <a:endParaRPr lang="en-SG" dirty="0"/>
+          </a:p>
+          <a:p>
+            <a:endParaRPr lang="en-SG" dirty="0" smtClean="0"/>
+          </a:p>
+          <a:p>
+            <a:r>
+              <a:rPr lang="en-SG" sz="2000" dirty="0" smtClean="0"/>
+              <a:t>Para </a:t>
+            </a:r>
+            <a:r>
+              <a:rPr lang="en-SG" sz="2000" dirty="0" err="1" smtClean="0"/>
+              <a:t>instansi</a:t>
+            </a:r>
+            <a:r>
+              <a:rPr lang="en-SG" sz="2000" dirty="0" smtClean="0"/>
+              <a:t> yang </a:t>
+            </a:r>
+            <a:r>
+              <a:rPr lang="en-SG" sz="2000" dirty="0" err="1" smtClean="0"/>
+              <a:t>mendukung</a:t>
+            </a:r>
+            <a:r>
+              <a:rPr lang="en-SG" sz="2000" dirty="0" smtClean="0"/>
+              <a:t> </a:t>
+            </a:r>
+            <a:r>
+              <a:rPr lang="en-SG" sz="2000" dirty="0" err="1" smtClean="0"/>
+              <a:t>kelas</a:t>
+            </a:r>
+            <a:r>
+              <a:rPr lang="en-SG" sz="2000" dirty="0" smtClean="0"/>
+              <a:t> </a:t>
+            </a:r>
+            <a:r>
+              <a:rPr lang="en-SG" sz="2000" dirty="0" err="1" smtClean="0"/>
+              <a:t>CodingMum</a:t>
+            </a:r>
+            <a:r>
+              <a:rPr lang="en-SG" sz="2000" dirty="0" smtClean="0"/>
+              <a:t>. </a:t>
+            </a:r>
+          </a:p>
+          <a:p>
+            <a:r>
+              <a:rPr lang="en-SG" sz="2000" dirty="0"/>
+              <a:t>S</a:t>
+            </a:r>
+            <a:r>
+              <a:rPr lang="en-SG" sz="2000" dirty="0" smtClean="0"/>
+              <a:t>erta </a:t>
+            </a:r>
+            <a:r>
+              <a:rPr lang="en-SG" sz="2000" dirty="0" err="1" smtClean="0"/>
+              <a:t>para</a:t>
+            </a:r>
+            <a:r>
+              <a:rPr lang="en-SG" sz="2000" dirty="0" smtClean="0"/>
+              <a:t> mentor yang </a:t>
+            </a:r>
+            <a:r>
+              <a:rPr lang="en-SG" sz="2000" dirty="0" err="1" smtClean="0"/>
+              <a:t>membagi</a:t>
+            </a:r>
+            <a:r>
+              <a:rPr lang="en-SG" sz="2000" dirty="0" smtClean="0"/>
+              <a:t> </a:t>
+            </a:r>
+            <a:r>
+              <a:rPr lang="en-SG" sz="2000" dirty="0" err="1" smtClean="0"/>
+              <a:t>ilmunya</a:t>
+            </a:r>
+            <a:r>
+              <a:rPr lang="en-SG" sz="2000" dirty="0" smtClean="0"/>
+              <a:t> </a:t>
+            </a:r>
+            <a:r>
+              <a:rPr lang="en-SG" sz="2000" dirty="0" err="1" smtClean="0"/>
+              <a:t>pada</a:t>
+            </a:r>
+            <a:r>
+              <a:rPr lang="en-SG" sz="2000" dirty="0" smtClean="0"/>
+              <a:t> kami.</a:t>
+            </a:r>
+          </a:p>
+          <a:p>
+            <a:pPr marL="0" indent="0">
+              <a:buNone/>
+            </a:pPr>
+            <a:r>
+              <a:rPr lang="en-SG" dirty="0"/>
+              <a:t> </a:t>
+            </a:r>
+            <a:r>
+              <a:rPr lang="en-SG" dirty="0" smtClean="0"/>
+              <a:t>                      </a:t>
+            </a:r>
+            <a:endParaRPr lang="en-SG" dirty="0"/>
+          </a:p>
+        </p:txBody>
+      </p:sp>
+      <p:pic>
+        <p:nvPicPr>
+          <p:cNvPr id="5" name="Picture 2" descr="Berkas:Badan Ekonomi Kratif Indonesia.jpg">
+            <a:hlinkClick r:id="rId2"/>
+          </p:cNvPr>
+          <p:cNvPicPr>
+            <a:picLocks noChangeAspect="1" noChangeArrowheads="1"/>
+          </p:cNvPicPr>
+          <p:nvPr/>
+        </p:nvPicPr>
+        <p:blipFill>
+          <a:blip r:embed="rId3"/>
+          <a:srcRect/>
+          <a:stretch>
+            <a:fillRect/>
+          </a:stretch>
+        </p:blipFill>
+        <p:spPr bwMode="auto">
+          <a:xfrm>
+            <a:off x="971600" y="1626113"/>
+            <a:ext cx="1820416" cy="1685503"/>
+          </a:xfrm>
+          <a:prstGeom prst="rect">
+            <a:avLst/>
+          </a:prstGeom>
+          <a:noFill/>
+        </p:spPr>
+      </p:pic>
+      <p:pic>
+        <p:nvPicPr>
+          <p:cNvPr id="6" name="Picture 14" descr="Logo Kemnaker.png">
+            <a:hlinkClick r:id="rId4"/>
+          </p:cNvPr>
+          <p:cNvPicPr>
+            <a:picLocks noChangeAspect="1" noChangeArrowheads="1"/>
+          </p:cNvPicPr>
+          <p:nvPr/>
+        </p:nvPicPr>
+        <p:blipFill>
+          <a:blip r:embed="rId5"/>
+          <a:srcRect/>
+          <a:stretch>
+            <a:fillRect/>
+          </a:stretch>
+        </p:blipFill>
+        <p:spPr bwMode="auto">
+          <a:xfrm>
+            <a:off x="6228184" y="2708920"/>
+            <a:ext cx="1944216" cy="1685503"/>
+          </a:xfrm>
+          <a:prstGeom prst="rect">
+            <a:avLst/>
+          </a:prstGeom>
+          <a:noFill/>
+        </p:spPr>
+      </p:pic>
+      <p:pic>
+        <p:nvPicPr>
+          <p:cNvPr id="7" name="Picture 8" descr="http://sekolahindonesia.sg/wp-content/uploads/2015/08/sis_300.png"/>
+          <p:cNvPicPr>
+            <a:picLocks noChangeAspect="1" noChangeArrowheads="1"/>
+          </p:cNvPicPr>
+          <p:nvPr/>
+        </p:nvPicPr>
+        <p:blipFill>
+          <a:blip r:embed="rId6"/>
+          <a:srcRect/>
+          <a:stretch>
+            <a:fillRect/>
+          </a:stretch>
+        </p:blipFill>
+        <p:spPr bwMode="auto">
+          <a:xfrm>
+            <a:off x="967408" y="3261069"/>
+            <a:ext cx="1828800" cy="1672046"/>
+          </a:xfrm>
+          <a:prstGeom prst="rect">
+            <a:avLst/>
+          </a:prstGeom>
+          <a:noFill/>
+        </p:spPr>
+      </p:pic>
+      <p:pic>
+        <p:nvPicPr>
+          <p:cNvPr id="9" name="Picture 6" descr="Image result for logo bank mandiri">
+            <a:hlinkClick r:id="rId7" tooltip="Search images of logo bank mandiri"/>
+          </p:cNvPr>
+          <p:cNvPicPr>
+            <a:picLocks noChangeAspect="1" noChangeArrowheads="1"/>
+          </p:cNvPicPr>
+          <p:nvPr/>
+        </p:nvPicPr>
+        <p:blipFill>
+          <a:blip r:embed="rId8"/>
+          <a:srcRect/>
+          <a:stretch>
+            <a:fillRect/>
+          </a:stretch>
+        </p:blipFill>
+        <p:spPr bwMode="auto">
+          <a:xfrm>
+            <a:off x="3586154" y="1772816"/>
+            <a:ext cx="2667000" cy="1203196"/>
+          </a:xfrm>
+          <a:prstGeom prst="rect">
+            <a:avLst/>
+          </a:prstGeom>
+          <a:noFill/>
+        </p:spPr>
+      </p:pic>
+      <p:pic>
+        <p:nvPicPr>
+          <p:cNvPr id="11" name="Picture 2"/>
+          <p:cNvPicPr>
+            <a:picLocks noChangeAspect="1" noChangeArrowheads="1"/>
+          </p:cNvPicPr>
+          <p:nvPr/>
+        </p:nvPicPr>
+        <p:blipFill>
+          <a:blip r:embed="rId9" cstate="print">
+            <a:extLst>
+              <a:ext uri="{28A0092B-C50C-407E-A947-70E740481C1C}">
+                <a14:useLocalDpi xmlns:a14="http://schemas.microsoft.com/office/drawing/2010/main" val="0"/>
+              </a:ext>
+            </a:extLst>
+          </a:blip>
+          <a:srcRect/>
+          <a:stretch>
+            <a:fillRect/>
+          </a:stretch>
+        </p:blipFill>
+        <p:spPr bwMode="auto">
+          <a:xfrm>
+            <a:off x="3851920" y="3320620"/>
+            <a:ext cx="1584176" cy="1476531"/>
+          </a:xfrm>
+          <a:prstGeom prst="rect">
+            <a:avLst/>
+          </a:prstGeom>
+          <a:noFill/>
+          <a:ln>
+            <a:noFill/>
+          </a:ln>
+          <a:extLst>
+            <a:ext uri="{909E8E84-426E-40DD-AFC4-6F175D3DCCD1}">
+              <a14:hiddenFill xmlns:a14="http://schemas.microsoft.com/office/drawing/2010/main">
+                <a:solidFill>
+                  <a:schemeClr val="accent1"/>
+                </a:solidFill>
+              </a14:hiddenFill>
+            </a:ext>
+            <a:ext uri="{91240B29-F687-4F45-9708-019B960494DF}">
+              <a14:hiddenLine xmlns:a14="http://schemas.microsoft.com/office/drawing/2010/main" w="9525">
+                <a:solidFill>
+                  <a:schemeClr val="tx1"/>
+                </a:solidFill>
+                <a:miter lim="800000"/>
+                <a:headEnd/>
+                <a:tailEnd/>
+              </a14:hiddenLine>
+            </a:ext>
+          </a:extLst>
+        </p:spPr>
+      </p:pic>
     </p:spTree>
   </p:cSld>
   <p:clrMapOvr>
     <a:masterClrMapping/>
   </p:clrMapOvr>
+  <p:timing>
+    <p:tnLst>
+      <p:par>
+        <p:cTn id="1" dur="indefinite" restart="never" nodeType="tmRoot"/>
+      </p:par>
+    </p:tnLst>
+  </p:timing>
 </p:sld>
 </file>
 
@@ -4207,14 +5560,6 @@
           <a:bodyPr/>
           <a:lstStyle/>
           <a:p>
-            <a:r>
-              <a:rPr lang="en-US" dirty="0" err="1" smtClean="0"/>
-              <a:t>Ringkasan</a:t>
-            </a:r>
-            <a:r>
-              <a:rPr lang="en-US" dirty="0" smtClean="0"/>
-              <a:t> HTML &amp; CSS</a:t>
-            </a:r>
             <a:endParaRPr lang="en-SG" dirty="0"/>
           </a:p>
         </p:txBody>
@@ -4234,7 +5579,7 @@
           <a:bodyPr/>
           <a:lstStyle/>
           <a:p>
-            <a:endParaRPr lang="en-SG"/>
+            <a:endParaRPr lang="en-SG" dirty="0"/>
           </a:p>
         </p:txBody>
       </p:sp>
@@ -5081,4 +6426,289 @@
   <a:objectDefaults/>
   <a:extraClrSchemeLst/>
 </a:theme>
+</file>
+
+<file path=ppt/theme/theme2.xml><?xml version="1.0" encoding="utf-8"?>
+<a:theme xmlns:a="http://schemas.openxmlformats.org/drawingml/2006/main" name="Office Theme">
+  <a:themeElements>
+    <a:clrScheme name="Office">
+      <a:dk1>
+        <a:sysClr val="windowText" lastClr="000000"/>
+      </a:dk1>
+      <a:lt1>
+        <a:sysClr val="window" lastClr="FFFFFF"/>
+      </a:lt1>
+      <a:dk2>
+        <a:srgbClr val="1F497D"/>
+      </a:dk2>
+      <a:lt2>
+        <a:srgbClr val="EEECE1"/>
+      </a:lt2>
+      <a:accent1>
+        <a:srgbClr val="4F81BD"/>
+      </a:accent1>
+      <a:accent2>
+        <a:srgbClr val="C0504D"/>
+      </a:accent2>
+      <a:accent3>
+        <a:srgbClr val="9BBB59"/>
+      </a:accent3>
+      <a:accent4>
+        <a:srgbClr val="8064A2"/>
+      </a:accent4>
+      <a:accent5>
+        <a:srgbClr val="4BACC6"/>
+      </a:accent5>
+      <a:accent6>
+        <a:srgbClr val="F79646"/>
+      </a:accent6>
+      <a:hlink>
+        <a:srgbClr val="0000FF"/>
+      </a:hlink>
+      <a:folHlink>
+        <a:srgbClr val="800080"/>
+      </a:folHlink>
+    </a:clrScheme>
+    <a:fontScheme name="Office">
+      <a:majorFont>
+        <a:latin typeface="Calibri"/>
+        <a:ea typeface=""/>
+        <a:cs typeface=""/>
+        <a:font script="Jpan" typeface="ＭＳ Ｐゴシック"/>
+        <a:font script="Hang" typeface="맑은 고딕"/>
+        <a:font script="Hans" typeface="宋体"/>
+        <a:font script="Hant" typeface="新細明體"/>
+        <a:font script="Arab" typeface="Times New Roman"/>
+        <a:font script="Hebr" typeface="Times New Roman"/>
+        <a:font script="Thai" typeface="Angsana New"/>
+        <a:font script="Ethi" typeface="Nyala"/>
+        <a:font script="Beng" typeface="Vrinda"/>
+        <a:font script="Gujr" typeface="Shruti"/>
+        <a:font script="Khmr" typeface="MoolBoran"/>
+        <a:font script="Knda" typeface="Tunga"/>
+        <a:font script="Guru" typeface="Raavi"/>
+        <a:font script="Cans" typeface="Euphemia"/>
+        <a:font script="Cher" typeface="Plantagenet Cherokee"/>
+        <a:font script="Yiii" typeface="Microsoft Yi Baiti"/>
+        <a:font script="Tibt" typeface="Microsoft Himalaya"/>
+        <a:font script="Thaa" typeface="MV Boli"/>
+        <a:font script="Deva" typeface="Mangal"/>
+        <a:font script="Telu" typeface="Gautami"/>
+        <a:font script="Taml" typeface="Latha"/>
+        <a:font script="Syrc" typeface="Estrangelo Edessa"/>
+        <a:font script="Orya" typeface="Kalinga"/>
+        <a:font script="Mlym" typeface="Kartika"/>
+        <a:font script="Laoo" typeface="DokChampa"/>
+        <a:font script="Sinh" typeface="Iskoola Pota"/>
+        <a:font script="Mong" typeface="Mongolian Baiti"/>
+        <a:font script="Viet" typeface="Times New Roman"/>
+        <a:font script="Uigh" typeface="Microsoft Uighur"/>
+        <a:font script="Geor" typeface="Sylfaen"/>
+      </a:majorFont>
+      <a:minorFont>
+        <a:latin typeface="Calibri"/>
+        <a:ea typeface=""/>
+        <a:cs typeface=""/>
+        <a:font script="Jpan" typeface="ＭＳ Ｐゴシック"/>
+        <a:font script="Hang" typeface="맑은 고딕"/>
+        <a:font script="Hans" typeface="宋体"/>
+        <a:font script="Hant" typeface="新細明體"/>
+        <a:font script="Arab" typeface="Arial"/>
+        <a:font script="Hebr" typeface="Arial"/>
+        <a:font script="Thai" typeface="Cordia New"/>
+        <a:font script="Ethi" typeface="Nyala"/>
+        <a:font script="Beng" typeface="Vrinda"/>
+        <a:font script="Gujr" typeface="Shruti"/>
+        <a:font script="Khmr" typeface="DaunPenh"/>
+        <a:font script="Knda" typeface="Tunga"/>
+        <a:font script="Guru" typeface="Raavi"/>
+        <a:font script="Cans" typeface="Euphemia"/>
+        <a:font script="Cher" typeface="Plantagenet Cherokee"/>
+        <a:font script="Yiii" typeface="Microsoft Yi Baiti"/>
+        <a:font script="Tibt" typeface="Microsoft Himalaya"/>
+        <a:font script="Thaa" typeface="MV Boli"/>
+        <a:font script="Deva" typeface="Mangal"/>
+        <a:font script="Telu" typeface="Gautami"/>
+        <a:font script="Taml" typeface="Latha"/>
+        <a:font script="Syrc" typeface="Estrangelo Edessa"/>
+        <a:font script="Orya" typeface="Kalinga"/>
+        <a:font script="Mlym" typeface="Kartika"/>
+        <a:font script="Laoo" typeface="DokChampa"/>
+        <a:font script="Sinh" typeface="Iskoola Pota"/>
+        <a:font script="Mong" typeface="Mongolian Baiti"/>
+        <a:font script="Viet" typeface="Arial"/>
+        <a:font script="Uigh" typeface="Microsoft Uighur"/>
+        <a:font script="Geor" typeface="Sylfaen"/>
+      </a:minorFont>
+    </a:fontScheme>
+    <a:fmtScheme name="Office">
+      <a:fillStyleLst>
+        <a:solidFill>
+          <a:schemeClr val="phClr"/>
+        </a:solidFill>
+        <a:gradFill rotWithShape="1">
+          <a:gsLst>
+            <a:gs pos="0">
+              <a:schemeClr val="phClr">
+                <a:tint val="50000"/>
+                <a:satMod val="300000"/>
+              </a:schemeClr>
+            </a:gs>
+            <a:gs pos="35000">
+              <a:schemeClr val="phClr">
+                <a:tint val="37000"/>
+                <a:satMod val="300000"/>
+              </a:schemeClr>
+            </a:gs>
+            <a:gs pos="100000">
+              <a:schemeClr val="phClr">
+                <a:tint val="15000"/>
+                <a:satMod val="350000"/>
+              </a:schemeClr>
+            </a:gs>
+          </a:gsLst>
+          <a:lin ang="16200000" scaled="1"/>
+        </a:gradFill>
+        <a:gradFill rotWithShape="1">
+          <a:gsLst>
+            <a:gs pos="0">
+              <a:schemeClr val="phClr">
+                <a:shade val="51000"/>
+                <a:satMod val="130000"/>
+              </a:schemeClr>
+            </a:gs>
+            <a:gs pos="80000">
+              <a:schemeClr val="phClr">
+                <a:shade val="93000"/>
+                <a:satMod val="130000"/>
+              </a:schemeClr>
+            </a:gs>
+            <a:gs pos="100000">
+              <a:schemeClr val="phClr">
+                <a:shade val="94000"/>
+                <a:satMod val="135000"/>
+              </a:schemeClr>
+            </a:gs>
+          </a:gsLst>
+          <a:lin ang="16200000" scaled="0"/>
+        </a:gradFill>
+      </a:fillStyleLst>
+      <a:lnStyleLst>
+        <a:ln w="9525" cap="flat" cmpd="sng" algn="ctr">
+          <a:solidFill>
+            <a:schemeClr val="phClr">
+              <a:shade val="95000"/>
+              <a:satMod val="105000"/>
+            </a:schemeClr>
+          </a:solidFill>
+          <a:prstDash val="solid"/>
+        </a:ln>
+        <a:ln w="25400" cap="flat" cmpd="sng" algn="ctr">
+          <a:solidFill>
+            <a:schemeClr val="phClr"/>
+          </a:solidFill>
+          <a:prstDash val="solid"/>
+        </a:ln>
+        <a:ln w="38100" cap="flat" cmpd="sng" algn="ctr">
+          <a:solidFill>
+            <a:schemeClr val="phClr"/>
+          </a:solidFill>
+          <a:prstDash val="solid"/>
+        </a:ln>
+      </a:lnStyleLst>
+      <a:effectStyleLst>
+        <a:effectStyle>
+          <a:effectLst>
+            <a:outerShdw blurRad="40000" dist="20000" dir="5400000" rotWithShape="0">
+              <a:srgbClr val="000000">
+                <a:alpha val="38000"/>
+              </a:srgbClr>
+            </a:outerShdw>
+          </a:effectLst>
+        </a:effectStyle>
+        <a:effectStyle>
+          <a:effectLst>
+            <a:outerShdw blurRad="40000" dist="23000" dir="5400000" rotWithShape="0">
+              <a:srgbClr val="000000">
+                <a:alpha val="35000"/>
+              </a:srgbClr>
+            </a:outerShdw>
+          </a:effectLst>
+        </a:effectStyle>
+        <a:effectStyle>
+          <a:effectLst>
+            <a:outerShdw blurRad="40000" dist="23000" dir="5400000" rotWithShape="0">
+              <a:srgbClr val="000000">
+                <a:alpha val="35000"/>
+              </a:srgbClr>
+            </a:outerShdw>
+          </a:effectLst>
+          <a:scene3d>
+            <a:camera prst="orthographicFront">
+              <a:rot lat="0" lon="0" rev="0"/>
+            </a:camera>
+            <a:lightRig rig="threePt" dir="t">
+              <a:rot lat="0" lon="0" rev="1200000"/>
+            </a:lightRig>
+          </a:scene3d>
+          <a:sp3d>
+            <a:bevelT w="63500" h="25400"/>
+          </a:sp3d>
+        </a:effectStyle>
+      </a:effectStyleLst>
+      <a:bgFillStyleLst>
+        <a:solidFill>
+          <a:schemeClr val="phClr"/>
+        </a:solidFill>
+        <a:gradFill rotWithShape="1">
+          <a:gsLst>
+            <a:gs pos="0">
+              <a:schemeClr val="phClr">
+                <a:tint val="40000"/>
+                <a:satMod val="350000"/>
+              </a:schemeClr>
+            </a:gs>
+            <a:gs pos="40000">
+              <a:schemeClr val="phClr">
+                <a:tint val="45000"/>
+                <a:shade val="99000"/>
+                <a:satMod val="350000"/>
+              </a:schemeClr>
+            </a:gs>
+            <a:gs pos="100000">
+              <a:schemeClr val="phClr">
+                <a:shade val="20000"/>
+                <a:satMod val="255000"/>
+              </a:schemeClr>
+            </a:gs>
+          </a:gsLst>
+          <a:path path="circle">
+            <a:fillToRect l="50000" t="-80000" r="50000" b="180000"/>
+          </a:path>
+        </a:gradFill>
+        <a:gradFill rotWithShape="1">
+          <a:gsLst>
+            <a:gs pos="0">
+              <a:schemeClr val="phClr">
+                <a:tint val="80000"/>
+                <a:satMod val="300000"/>
+              </a:schemeClr>
+            </a:gs>
+            <a:gs pos="100000">
+              <a:schemeClr val="phClr">
+                <a:shade val="30000"/>
+                <a:satMod val="200000"/>
+              </a:schemeClr>
+            </a:gs>
+          </a:gsLst>
+          <a:path path="circle">
+            <a:fillToRect l="50000" t="50000" r="50000" b="50000"/>
+          </a:path>
+        </a:gradFill>
+      </a:bgFillStyleLst>
+    </a:fmtScheme>
+  </a:themeElements>
+  <a:objectDefaults/>
+  <a:extraClrSchemeLst/>
+</a:theme>
 </file>
--- a/Titin/Power poin.pptx
+++ b/Titin/Power poin.pptx
@@ -545,6 +545,90 @@
     <p:extLst>
       <p:ext uri="{BB962C8B-B14F-4D97-AF65-F5344CB8AC3E}">
         <p14:creationId xmlns:p14="http://schemas.microsoft.com/office/powerpoint/2010/main" val="2247957606"/>
+      </p:ext>
+    </p:extLst>
+  </p:cSld>
+  <p:clrMapOvr>
+    <a:masterClrMapping/>
+  </p:clrMapOvr>
+</p:notes>
+</file>
+
+<file path=ppt/notesSlides/notesSlide2.xml><?xml version="1.0" encoding="utf-8"?>
+<p:notes xmlns:a="http://schemas.openxmlformats.org/drawingml/2006/main" xmlns:r="http://schemas.openxmlformats.org/officeDocument/2006/relationships" xmlns:p="http://schemas.openxmlformats.org/presentationml/2006/main">
+  <p:cSld>
+    <p:spTree>
+      <p:nvGrpSpPr>
+        <p:cNvPr id="1" name=""/>
+        <p:cNvGrpSpPr/>
+        <p:nvPr/>
+      </p:nvGrpSpPr>
+      <p:grpSpPr>
+        <a:xfrm>
+          <a:off x="0" y="0"/>
+          <a:ext cx="0" cy="0"/>
+          <a:chOff x="0" y="0"/>
+          <a:chExt cx="0" cy="0"/>
+        </a:xfrm>
+      </p:grpSpPr>
+      <p:sp>
+        <p:nvSpPr>
+          <p:cNvPr id="2" name="Slide Image Placeholder 1"/>
+          <p:cNvSpPr>
+            <a:spLocks noGrp="1" noRot="1" noChangeAspect="1"/>
+          </p:cNvSpPr>
+          <p:nvPr>
+            <p:ph type="sldImg"/>
+          </p:nvPr>
+        </p:nvSpPr>
+        <p:spPr/>
+      </p:sp>
+      <p:sp>
+        <p:nvSpPr>
+          <p:cNvPr id="3" name="Notes Placeholder 2"/>
+          <p:cNvSpPr>
+            <a:spLocks noGrp="1"/>
+          </p:cNvSpPr>
+          <p:nvPr>
+            <p:ph type="body" idx="1"/>
+          </p:nvPr>
+        </p:nvSpPr>
+        <p:spPr/>
+        <p:txBody>
+          <a:bodyPr/>
+          <a:lstStyle/>
+          <a:p>
+            <a:endParaRPr lang="en-SG" dirty="0"/>
+          </a:p>
+        </p:txBody>
+      </p:sp>
+      <p:sp>
+        <p:nvSpPr>
+          <p:cNvPr id="4" name="Slide Number Placeholder 3"/>
+          <p:cNvSpPr>
+            <a:spLocks noGrp="1"/>
+          </p:cNvSpPr>
+          <p:nvPr>
+            <p:ph type="sldNum" sz="quarter" idx="10"/>
+          </p:nvPr>
+        </p:nvSpPr>
+        <p:spPr/>
+        <p:txBody>
+          <a:bodyPr/>
+          <a:lstStyle/>
+          <a:p>
+            <a:fld id="{8F7C732E-5B14-45BA-A8B8-5BEFF499D039}" type="slidenum">
+              <a:rPr lang="en-SG" smtClean="0"/>
+              <a:t>5</a:t>
+            </a:fld>
+            <a:endParaRPr lang="en-SG"/>
+          </a:p>
+        </p:txBody>
+      </p:sp>
+    </p:spTree>
+    <p:extLst>
+      <p:ext uri="{BB962C8B-B14F-4D97-AF65-F5344CB8AC3E}">
+        <p14:creationId xmlns:p14="http://schemas.microsoft.com/office/powerpoint/2010/main" val="2611064537"/>
       </p:ext>
     </p:extLst>
   </p:cSld>
@@ -4989,7 +5073,7 @@
         </p:nvSpPr>
         <p:spPr>
           <a:xfrm>
-            <a:off x="4715943" y="1268760"/>
+            <a:off x="4715943" y="1684298"/>
             <a:ext cx="3096344" cy="3816429"/>
           </a:xfrm>
           <a:prstGeom prst="rect">
@@ -5059,11 +5143,7 @@
             </a:r>
             <a:r>
               <a:rPr lang="en-US" sz="3200" dirty="0" smtClean="0"/>
-              <a:t>. </a:t>
-            </a:r>
-            <a:r>
-              <a:rPr lang="en-US" sz="3200" smtClean="0"/>
-              <a:t>div-content-       title</a:t>
+              <a:t>. div-content-       title</a:t>
             </a:r>
             <a:endParaRPr lang="en-US" sz="3200" dirty="0"/>
           </a:p>
@@ -5352,7 +5432,7 @@
       <p:pic>
         <p:nvPicPr>
           <p:cNvPr id="5" name="Picture 2" descr="Berkas:Badan Ekonomi Kratif Indonesia.jpg">
-            <a:hlinkClick r:id="rId2"/>
+            <a:hlinkClick r:id="rId3"/>
           </p:cNvPr>
           <p:cNvPicPr>
             <a:picLocks noChangeAspect="1" noChangeArrowheads="1"/>
@@ -5360,7 +5440,7 @@
           <p:nvPr/>
         </p:nvPicPr>
         <p:blipFill>
-          <a:blip r:embed="rId3"/>
+          <a:blip r:embed="rId4"/>
           <a:srcRect/>
           <a:stretch>
             <a:fillRect/>
@@ -5380,7 +5460,7 @@
       <p:pic>
         <p:nvPicPr>
           <p:cNvPr id="6" name="Picture 14" descr="Logo Kemnaker.png">
-            <a:hlinkClick r:id="rId4"/>
+            <a:hlinkClick r:id="rId5"/>
           </p:cNvPr>
           <p:cNvPicPr>
             <a:picLocks noChangeAspect="1" noChangeArrowheads="1"/>
@@ -5388,7 +5468,7 @@
           <p:nvPr/>
         </p:nvPicPr>
         <p:blipFill>
-          <a:blip r:embed="rId5"/>
+          <a:blip r:embed="rId6"/>
           <a:srcRect/>
           <a:stretch>
             <a:fillRect/>
@@ -5414,7 +5494,7 @@
           <p:nvPr/>
         </p:nvPicPr>
         <p:blipFill>
-          <a:blip r:embed="rId6"/>
+          <a:blip r:embed="rId7"/>
           <a:srcRect/>
           <a:stretch>
             <a:fillRect/>
@@ -5434,7 +5514,7 @@
       <p:pic>
         <p:nvPicPr>
           <p:cNvPr id="9" name="Picture 6" descr="Image result for logo bank mandiri">
-            <a:hlinkClick r:id="rId7" tooltip="Search images of logo bank mandiri"/>
+            <a:hlinkClick r:id="rId8" tooltip="Search images of logo bank mandiri"/>
           </p:cNvPr>
           <p:cNvPicPr>
             <a:picLocks noChangeAspect="1" noChangeArrowheads="1"/>
@@ -5442,7 +5522,7 @@
           <p:nvPr/>
         </p:nvPicPr>
         <p:blipFill>
-          <a:blip r:embed="rId8"/>
+          <a:blip r:embed="rId9"/>
           <a:srcRect/>
           <a:stretch>
             <a:fillRect/>
@@ -5468,7 +5548,7 @@
           <p:nvPr/>
         </p:nvPicPr>
         <p:blipFill>
-          <a:blip r:embed="rId9" cstate="print">
+          <a:blip r:embed="rId10" cstate="print">
             <a:extLst>
               <a:ext uri="{28A0092B-C50C-407E-A947-70E740481C1C}">
                 <a14:useLocalDpi xmlns:a14="http://schemas.microsoft.com/office/drawing/2010/main" val="0"/>
